--- a/[PPTPLUG]PP-151/RecSys 발표 준비_강현구.pptx
+++ b/[PPTPLUG]PP-151/RecSys 발표 준비_강현구.pptx
@@ -35,7 +35,7 @@
     <p:sldId id="366" r:id="rId26"/>
     <p:sldId id="345" r:id="rId27"/>
     <p:sldId id="367" r:id="rId28"/>
-    <p:sldId id="335" r:id="rId29"/>
+    <p:sldId id="371" r:id="rId29"/>
   </p:sldIdLst>
   <p:sldSz cx="12192000" cy="6858000"/>
   <p:notesSz cx="6858000" cy="9144000"/>
@@ -162,28 +162,6 @@
 <p188:authorLst xmlns:a="http://schemas.openxmlformats.org/drawingml/2006/main" xmlns:r="http://schemas.openxmlformats.org/officeDocument/2006/relationships" xmlns:p188="http://schemas.microsoft.com/office/powerpoint/2018/8/main">
   <p188:author id="{882FC6BB-CD29-B443-03EC-8D8C58235F40}" name="Kang Hyeongu" initials="KH" userId="b2d262a35eb16e8c" providerId="Windows Live"/>
 </p188:authorLst>
-</file>
-
-<file path=ppt/comments/modernComment_160_4957FD32.xml><?xml version="1.0" encoding="utf-8"?>
-<p188:cmLst xmlns:a="http://schemas.openxmlformats.org/drawingml/2006/main" xmlns:r="http://schemas.openxmlformats.org/officeDocument/2006/relationships" xmlns:p188="http://schemas.microsoft.com/office/powerpoint/2018/8/main">
-  <p188:cm id="{B2EF652A-63DC-4BA8-9D25-B18EB012A068}" authorId="{882FC6BB-CD29-B443-03EC-8D8C58235F40}" created="2022-09-12T23:34:30.120">
-    <ac:deMkLst xmlns:ac="http://schemas.microsoft.com/office/drawing/2013/main/command">
-      <pc:docMk xmlns:pc="http://schemas.microsoft.com/office/powerpoint/2013/main/command"/>
-      <pc:sldMk xmlns:pc="http://schemas.microsoft.com/office/powerpoint/2013/main/command" cId="1230503218" sldId="352"/>
-      <ac:spMk id="31" creationId="{F05C4E44-C18A-6B58-29E6-6BB62CFB3660}"/>
-    </ac:deMkLst>
-    <p188:txBody>
-      <a:bodyPr/>
-      <a:lstStyle/>
-      <a:p>
-        <a:r>
-          <a:rPr lang="ko-KR" altLang="en-US"/>
-          <a:t>위의 내용과 박스의 내용이 잘 안 맞음. 좀 더 고민해볼 것</a:t>
-        </a:r>
-      </a:p>
-    </p188:txBody>
-  </p188:cm>
-</p188:cmLst>
 </file>
 
 <file path=ppt/notesMasters/notesMaster1.xml><?xml version="1.0" encoding="utf-8"?>
@@ -930,9 +908,48 @@
             </a:r>
           </a:p>
           <a:p>
-            <a:r>
-              <a:rPr lang="ko-KR" altLang="en-US" dirty="0"/>
-              <a:t>이 부분은 뒤에서 다시 다루겠습니다</a:t>
+            <a:endParaRPr lang="en-US" altLang="ko-KR" dirty="0"/>
+          </a:p>
+          <a:p>
+            <a:r>
+              <a:rPr lang="en-US" altLang="ko-KR" dirty="0"/>
+              <a:t>Routing</a:t>
+            </a:r>
+            <a:r>
+              <a:rPr lang="ko-KR" altLang="en-US" dirty="0"/>
+              <a:t> </a:t>
+            </a:r>
+            <a:r>
+              <a:rPr lang="en-US" altLang="ko-KR" dirty="0"/>
+              <a:t>Strategy</a:t>
+            </a:r>
+            <a:r>
+              <a:rPr lang="ko-KR" altLang="en-US" dirty="0"/>
+              <a:t>와 </a:t>
+            </a:r>
+            <a:r>
+              <a:rPr lang="en-US" altLang="ko-KR" dirty="0"/>
+              <a:t>Bottom Ingredient</a:t>
+            </a:r>
+            <a:r>
+              <a:rPr lang="ko-KR" altLang="en-US" dirty="0"/>
+              <a:t>의 차이를 통해서 </a:t>
+            </a:r>
+            <a:r>
+              <a:rPr lang="en-US" altLang="ko-KR" dirty="0"/>
+              <a:t>CGC</a:t>
+            </a:r>
+            <a:r>
+              <a:rPr lang="ko-KR" altLang="en-US" dirty="0"/>
+              <a:t>는 </a:t>
+            </a:r>
+            <a:r>
+              <a:rPr lang="en-US" altLang="ko-KR" dirty="0"/>
+              <a:t>Task </a:t>
+            </a:r>
+            <a:r>
+              <a:rPr lang="ko-KR" altLang="en-US" dirty="0"/>
+              <a:t>간의 차이와 관계를 고려할 수 있습니다</a:t>
             </a:r>
             <a:r>
               <a:rPr lang="en-US" altLang="ko-KR" dirty="0"/>
@@ -946,6 +963,12 @@
             <a:endParaRPr lang="en-US" altLang="ko-KR" dirty="0"/>
           </a:p>
           <a:p>
+            <a:endParaRPr lang="en-US" altLang="ko-KR" dirty="0"/>
+          </a:p>
+          <a:p>
+            <a:endParaRPr lang="en-US" altLang="ko-KR" dirty="0"/>
+          </a:p>
+          <a:p>
             <a:r>
               <a:rPr lang="en-US" altLang="ko-KR" dirty="0"/>
               <a:t>Let's talk about the difference between MMOE and CGC. </a:t>
@@ -986,6 +1009,15 @@
               <a:rPr lang="en-US" altLang="ko-KR" dirty="0"/>
               <a:t>At this time, the MMOE's routing strategy seems to be a generalization of the CGC's routing strategy, but the result is not. </a:t>
             </a:r>
+          </a:p>
+          <a:p>
+            <a:r>
+              <a:rPr lang="en-US" altLang="ko-KR" dirty="0"/>
+              <a:t>The difference between Routing Strategy and Bottom Ingressives allows CGC to consider the difference and relationship between Tasks.</a:t>
+            </a:r>
+          </a:p>
+          <a:p>
+            <a:endParaRPr lang="en-US" altLang="ko-KR" dirty="0"/>
           </a:p>
           <a:p>
             <a:r>
@@ -6517,7 +6549,7 @@
     </p:spTree>
     <p:extLst>
       <p:ext uri="{BB962C8B-B14F-4D97-AF65-F5344CB8AC3E}">
-        <p14:creationId xmlns:p14="http://schemas.microsoft.com/office/powerpoint/2010/main" val="1828896604"/>
+        <p14:creationId xmlns:p14="http://schemas.microsoft.com/office/powerpoint/2010/main" val="2598248166"/>
       </p:ext>
     </p:extLst>
   </p:cSld>
@@ -7168,47 +7200,7 @@
             </a:pPr>
             <a:r>
               <a:rPr lang="ko-KR" altLang="en-US" dirty="0"/>
-              <a:t>하나의 예시로 </a:t>
-            </a:r>
-            <a:r>
-              <a:rPr lang="en-US" altLang="ko-KR" dirty="0"/>
-              <a:t>MMOE</a:t>
-            </a:r>
-            <a:r>
-              <a:rPr lang="ko-KR" altLang="en-US" dirty="0"/>
-              <a:t>는 </a:t>
-            </a:r>
-            <a:r>
-              <a:rPr lang="en-US" altLang="ko-KR" dirty="0"/>
-              <a:t>Gate Network</a:t>
-            </a:r>
-            <a:r>
-              <a:rPr lang="ko-KR" altLang="en-US" dirty="0"/>
-              <a:t>를 통해서 각 </a:t>
-            </a:r>
-            <a:r>
-              <a:rPr lang="en-US" altLang="ko-KR" dirty="0"/>
-              <a:t>Task </a:t>
-            </a:r>
-            <a:r>
-              <a:rPr lang="ko-KR" altLang="en-US" dirty="0"/>
-              <a:t>간의 차이점을 구별했고</a:t>
-            </a:r>
-            <a:r>
-              <a:rPr lang="en-US" altLang="ko-KR" dirty="0"/>
-              <a:t>, </a:t>
-            </a:r>
-            <a:r>
-              <a:rPr lang="ko-KR" altLang="en-US" dirty="0"/>
-              <a:t>그 결과 </a:t>
-            </a:r>
-            <a:r>
-              <a:rPr lang="en-US" altLang="ko-KR" dirty="0"/>
-              <a:t>SOTA </a:t>
-            </a:r>
-            <a:r>
-              <a:rPr lang="ko-KR" altLang="en-US" dirty="0"/>
-              <a:t>결과를 만들어 냈습니다</a:t>
+              <a:t>왼쪽에서 오른쪽 방향 순으로 방법론들이 제안되어 왔습니다</a:t>
             </a:r>
             <a:r>
               <a:rPr lang="en-US" altLang="ko-KR" dirty="0"/>
@@ -7235,19 +7227,27 @@
             </a:pPr>
             <a:r>
               <a:rPr lang="ko-KR" altLang="en-US" dirty="0"/>
-              <a:t>하지만 각 </a:t>
-            </a:r>
-            <a:r>
-              <a:rPr lang="en-US" altLang="ko-KR" dirty="0"/>
-              <a:t>Task</a:t>
-            </a:r>
-            <a:r>
-              <a:rPr lang="ko-KR" altLang="en-US" dirty="0"/>
-              <a:t> 간의 상관관계를 찾아내지 못했기 때문에 성능 향상에 제약이 있었습니다</a:t>
-            </a:r>
-            <a:r>
-              <a:rPr lang="en-US" altLang="ko-KR" dirty="0"/>
-              <a:t>.</a:t>
+              <a:t>그 중에서 </a:t>
+            </a:r>
+            <a:r>
+              <a:rPr lang="en-US" altLang="ko-KR" dirty="0"/>
+              <a:t>MMOE</a:t>
+            </a:r>
+            <a:r>
+              <a:rPr lang="ko-KR" altLang="en-US" dirty="0"/>
+              <a:t>의 경우 당시 </a:t>
+            </a:r>
+            <a:r>
+              <a:rPr lang="en-US" altLang="ko-KR" dirty="0"/>
+              <a:t>SOTA method</a:t>
+            </a:r>
+            <a:r>
+              <a:rPr lang="ko-KR" altLang="en-US" dirty="0"/>
+              <a:t>로 여겨지고 있었습니다</a:t>
+            </a:r>
+            <a:r>
+              <a:rPr lang="en-US" altLang="ko-KR" dirty="0"/>
+              <a:t>. </a:t>
             </a:r>
           </a:p>
           <a:p>
@@ -7290,84 +7290,20 @@
             </a:pPr>
             <a:r>
               <a:rPr lang="ko-KR" altLang="en-US" dirty="0"/>
-              <a:t>그 외에도</a:t>
-            </a:r>
-            <a:r>
-              <a:rPr lang="en-US" altLang="ko-KR" dirty="0"/>
-              <a:t> </a:t>
-            </a:r>
-            <a:r>
-              <a:rPr lang="ko-KR" altLang="en-US" dirty="0"/>
-              <a:t>지금까지의 방법론들은 </a:t>
-            </a:r>
-            <a:r>
-              <a:rPr lang="en-US" altLang="ko-KR" dirty="0"/>
-              <a:t>Negative transfer</a:t>
-            </a:r>
-            <a:r>
-              <a:rPr lang="ko-KR" altLang="en-US" dirty="0"/>
-              <a:t>은 해결하고자 했으나</a:t>
-            </a:r>
-            <a:r>
-              <a:rPr lang="en-US" altLang="ko-KR" dirty="0"/>
-              <a:t>, Seesaw Phenomenon</a:t>
-            </a:r>
-            <a:r>
-              <a:rPr lang="ko-KR" altLang="en-US" dirty="0"/>
-              <a:t>에 대해선 고려하지 않았습니다</a:t>
+              <a:t>하지만 각각의 방법들은 </a:t>
+            </a:r>
+            <a:r>
+              <a:rPr lang="en-US" altLang="ko-KR" dirty="0"/>
+              <a:t>Seesaw Phenomenon</a:t>
+            </a:r>
+            <a:r>
+              <a:rPr lang="ko-KR" altLang="en-US" dirty="0"/>
+              <a:t>은 고려하지 못하고 있습니다</a:t>
             </a:r>
             <a:r>
               <a:rPr lang="en-US" altLang="ko-KR" dirty="0"/>
               <a:t>. </a:t>
             </a:r>
-          </a:p>
-          <a:p>
-            <a:pPr marL="0" marR="0" lvl="0" indent="0" algn="l" defTabSz="914400" rtl="0" eaLnBrk="1" fontAlgn="auto" latinLnBrk="1" hangingPunct="1">
-              <a:lnSpc>
-                <a:spcPct val="100000"/>
-              </a:lnSpc>
-              <a:spcBef>
-                <a:spcPts val="0"/>
-              </a:spcBef>
-              <a:spcAft>
-                <a:spcPts val="0"/>
-              </a:spcAft>
-              <a:buClrTx/>
-              <a:buSzTx/>
-              <a:buFontTx/>
-              <a:buNone/>
-              <a:tabLst/>
-              <a:defRPr/>
-            </a:pPr>
-            <a:r>
-              <a:rPr lang="ko-KR" altLang="en-US" dirty="0"/>
-              <a:t>따라서 </a:t>
-            </a:r>
-            <a:r>
-              <a:rPr lang="en-US" altLang="ko-KR" dirty="0"/>
-              <a:t>Task </a:t>
-            </a:r>
-            <a:r>
-              <a:rPr lang="ko-KR" altLang="en-US" dirty="0"/>
-              <a:t>가 시행되는 </a:t>
-            </a:r>
-            <a:r>
-              <a:rPr lang="en-US" altLang="ko-KR" dirty="0"/>
-              <a:t>Expert </a:t>
-            </a:r>
-            <a:r>
-              <a:rPr lang="ko-KR" altLang="en-US" dirty="0"/>
-              <a:t>사이에서 차이와 관계 둘 다 고려할 줄 아는 모델을 디자인하는 것이 필요했습니다</a:t>
-            </a:r>
-            <a:r>
-              <a:rPr lang="en-US" altLang="ko-KR" dirty="0"/>
-              <a:t>. </a:t>
-            </a:r>
-            <a:r>
-              <a:rPr lang="ko-KR" altLang="en-US" dirty="0"/>
-              <a:t> </a:t>
-            </a:r>
-            <a:endParaRPr lang="en-US" altLang="ko-KR" dirty="0"/>
           </a:p>
           <a:p>
             <a:pPr marL="0" marR="0" lvl="0" indent="0" algn="l" defTabSz="914400" rtl="0" eaLnBrk="1" fontAlgn="auto" latinLnBrk="1" hangingPunct="1">
@@ -7407,29 +7343,25 @@
               <a:tabLst/>
               <a:defRPr/>
             </a:pPr>
-            <a:endParaRPr lang="en-US" altLang="ko-KR" dirty="0"/>
-          </a:p>
-          <a:p>
-            <a:pPr marL="0" marR="0" lvl="0" indent="0" algn="l" defTabSz="914400" rtl="0" eaLnBrk="1" fontAlgn="auto" latinLnBrk="1" hangingPunct="1">
-              <a:lnSpc>
-                <a:spcPct val="100000"/>
-              </a:lnSpc>
-              <a:spcBef>
-                <a:spcPts val="0"/>
-              </a:spcBef>
-              <a:spcAft>
-                <a:spcPts val="0"/>
-              </a:spcAft>
-              <a:buClrTx/>
-              <a:buSzTx/>
-              <a:buFontTx/>
-              <a:buNone/>
-              <a:tabLst/>
-              <a:defRPr/>
-            </a:pPr>
-            <a:r>
-              <a:rPr lang="en-US" altLang="ko-KR" dirty="0"/>
-              <a:t>So far, many methodologies are devised such as Cross-stitch network, Slice network, and MMOE to solve Negative Transfer. </a:t>
+            <a:r>
+              <a:rPr lang="en-US" altLang="ko-KR" dirty="0"/>
+              <a:t>There</a:t>
+            </a:r>
+            <a:r>
+              <a:rPr lang="ko-KR" altLang="en-US" dirty="0"/>
+              <a:t> </a:t>
+            </a:r>
+            <a:r>
+              <a:rPr lang="en-US" altLang="ko-KR" dirty="0"/>
+              <a:t>are</a:t>
+            </a:r>
+            <a:r>
+              <a:rPr lang="ko-KR" altLang="en-US" dirty="0"/>
+              <a:t> </a:t>
+            </a:r>
+            <a:r>
+              <a:rPr lang="en-US" altLang="ko-KR" dirty="0"/>
+              <a:t>several methods such as Cross-stitch network, Slice network, and MMOE to solve Negative Transfer. </a:t>
             </a:r>
           </a:p>
           <a:p>
@@ -7472,7 +7404,7 @@
             </a:pPr>
             <a:r>
               <a:rPr lang="en-US" altLang="ko-KR" dirty="0"/>
-              <a:t>As an example, MMOE distinguished the differences between each task through the Gate Network, resulting in SOTA results. </a:t>
+              <a:t>Methodologies have been proposed in the order of left to right. </a:t>
             </a:r>
           </a:p>
           <a:p>
@@ -7495,7 +7427,7 @@
             </a:pPr>
             <a:r>
               <a:rPr lang="en-US" altLang="ko-KR" dirty="0"/>
-              <a:t>However, there was a limit to performance improvement because no correlation was found between each task.</a:t>
+              <a:t>Among them, MMOE was considered the SOTA method at the time.</a:t>
             </a:r>
           </a:p>
           <a:p>
@@ -7538,32 +7470,16 @@
             </a:pPr>
             <a:r>
               <a:rPr lang="en-US" altLang="ko-KR" dirty="0"/>
-              <a:t>Other methodologies have tried to solve Negative transfer, but have not considered Seesaw Phenomenon. </a:t>
-            </a:r>
-          </a:p>
-          <a:p>
-            <a:pPr marL="0" marR="0" lvl="0" indent="0" algn="l" defTabSz="914400" rtl="0" eaLnBrk="1" fontAlgn="auto" latinLnBrk="1" hangingPunct="1">
-              <a:lnSpc>
-                <a:spcPct val="100000"/>
-              </a:lnSpc>
-              <a:spcBef>
-                <a:spcPts val="0"/>
-              </a:spcBef>
-              <a:spcAft>
-                <a:spcPts val="0"/>
-              </a:spcAft>
-              <a:buClrTx/>
-              <a:buSzTx/>
-              <a:buFontTx/>
-              <a:buNone/>
-              <a:tabLst/>
-              <a:defRPr/>
-            </a:pPr>
-            <a:r>
-              <a:rPr lang="en-US" altLang="ko-KR" dirty="0"/>
-              <a:t>Therefore, it was necessary to design a model that could take into account both differences and relationships between the Expert</a:t>
-            </a:r>
-            <a:endParaRPr lang="ko-KR" altLang="en-US" dirty="0"/>
+              <a:t>However, each methods not consider about Seesaw </a:t>
+            </a:r>
+            <a:r>
+              <a:rPr lang="en-US" altLang="ko-KR" dirty="0" err="1"/>
+              <a:t>Penomenon</a:t>
+            </a:r>
+            <a:r>
+              <a:rPr lang="en-US" altLang="ko-KR" dirty="0"/>
+              <a:t>.</a:t>
+            </a:r>
           </a:p>
         </p:txBody>
       </p:sp>
@@ -7666,23 +7582,7 @@
             </a:pPr>
             <a:r>
               <a:rPr lang="ko-KR" altLang="en-US" dirty="0"/>
-              <a:t>지금까지 </a:t>
-            </a:r>
-            <a:r>
-              <a:rPr lang="en-US" altLang="ko-KR" dirty="0"/>
-              <a:t>Negative Transfer</a:t>
-            </a:r>
-            <a:r>
-              <a:rPr lang="ko-KR" altLang="en-US" dirty="0"/>
-              <a:t>을 해결하기 위해 </a:t>
-            </a:r>
-            <a:r>
-              <a:rPr lang="en-US" altLang="ko-KR" dirty="0"/>
-              <a:t>Cross-stitch network, Sluice network, MMOE </a:t>
-            </a:r>
-            <a:r>
-              <a:rPr lang="ko-KR" altLang="en-US" dirty="0"/>
-              <a:t>등의 방법론을 고안해왔습니다</a:t>
+              <a:t>각각의 방법론의 특징과 한계점을 짚어보며 개선점을 찾을 수 있습니다</a:t>
             </a:r>
             <a:r>
               <a:rPr lang="en-US" altLang="ko-KR" dirty="0"/>
@@ -7729,51 +7629,27 @@
             </a:pPr>
             <a:r>
               <a:rPr lang="ko-KR" altLang="en-US" dirty="0"/>
-              <a:t>하나의 예시로 </a:t>
-            </a:r>
-            <a:r>
-              <a:rPr lang="en-US" altLang="ko-KR" dirty="0"/>
-              <a:t>MMOE</a:t>
-            </a:r>
-            <a:r>
-              <a:rPr lang="ko-KR" altLang="en-US" dirty="0"/>
-              <a:t>는 </a:t>
-            </a:r>
-            <a:r>
-              <a:rPr lang="en-US" altLang="ko-KR" dirty="0"/>
-              <a:t>Gate Network</a:t>
-            </a:r>
-            <a:r>
-              <a:rPr lang="ko-KR" altLang="en-US" dirty="0"/>
-              <a:t>를 통해서 각 </a:t>
-            </a:r>
-            <a:r>
-              <a:rPr lang="en-US" altLang="ko-KR" dirty="0"/>
-              <a:t>Task </a:t>
-            </a:r>
-            <a:r>
-              <a:rPr lang="ko-KR" altLang="en-US" dirty="0"/>
-              <a:t>간의 차이점을 구별했고</a:t>
+              <a:t>먼저 </a:t>
+            </a:r>
+            <a:r>
+              <a:rPr lang="en-US" altLang="ko-KR" dirty="0"/>
+              <a:t>Cross-Stitch Network</a:t>
+            </a:r>
+            <a:r>
+              <a:rPr lang="ko-KR" altLang="en-US" dirty="0"/>
+              <a:t>와 </a:t>
+            </a:r>
+            <a:r>
+              <a:rPr lang="en-US" altLang="ko-KR" dirty="0"/>
+              <a:t>Sluice Network</a:t>
+            </a:r>
+            <a:r>
+              <a:rPr lang="ko-KR" altLang="en-US" dirty="0"/>
+              <a:t>의 경우</a:t>
             </a:r>
             <a:r>
               <a:rPr lang="en-US" altLang="ko-KR" dirty="0"/>
               <a:t>, </a:t>
-            </a:r>
-            <a:r>
-              <a:rPr lang="ko-KR" altLang="en-US" dirty="0"/>
-              <a:t>그 결과 </a:t>
-            </a:r>
-            <a:r>
-              <a:rPr lang="en-US" altLang="ko-KR" dirty="0"/>
-              <a:t>SOTA </a:t>
-            </a:r>
-            <a:r>
-              <a:rPr lang="ko-KR" altLang="en-US" dirty="0"/>
-              <a:t>결과를 만들어 냈습니다</a:t>
-            </a:r>
-            <a:r>
-              <a:rPr lang="en-US" altLang="ko-KR" dirty="0"/>
-              <a:t>. </a:t>
             </a:r>
           </a:p>
           <a:p>
@@ -7796,19 +7672,27 @@
             </a:pPr>
             <a:r>
               <a:rPr lang="ko-KR" altLang="en-US" dirty="0"/>
-              <a:t>하지만 각 </a:t>
-            </a:r>
-            <a:r>
-              <a:rPr lang="en-US" altLang="ko-KR" dirty="0"/>
-              <a:t>Task</a:t>
-            </a:r>
-            <a:r>
-              <a:rPr lang="ko-KR" altLang="en-US" dirty="0"/>
-              <a:t> 간의 상관관계를 찾아내지 못했기 때문에 성능 향상에 제약이 있었습니다</a:t>
-            </a:r>
-            <a:r>
-              <a:rPr lang="en-US" altLang="ko-KR" dirty="0"/>
-              <a:t>.</a:t>
+              <a:t>서로 다른 </a:t>
+            </a:r>
+            <a:r>
+              <a:rPr lang="en-US" altLang="ko-KR" dirty="0"/>
+              <a:t>Tasks</a:t>
+            </a:r>
+            <a:r>
+              <a:rPr lang="ko-KR" altLang="en-US" dirty="0"/>
+              <a:t>로부터 </a:t>
+            </a:r>
+            <a:r>
+              <a:rPr lang="en-US" altLang="ko-KR" dirty="0"/>
+              <a:t>Representation</a:t>
+            </a:r>
+            <a:r>
+              <a:rPr lang="ko-KR" altLang="en-US" dirty="0"/>
+              <a:t>의 선형결합을 통해 가중치를 학습했습니다</a:t>
+            </a:r>
+            <a:r>
+              <a:rPr lang="en-US" altLang="ko-KR" dirty="0"/>
+              <a:t>. </a:t>
             </a:r>
           </a:p>
           <a:p>
@@ -7851,36 +7735,25 @@
             </a:pPr>
             <a:r>
               <a:rPr lang="ko-KR" altLang="en-US" dirty="0"/>
-              <a:t>그 외에도</a:t>
-            </a:r>
-            <a:r>
-              <a:rPr lang="en-US" altLang="ko-KR" dirty="0"/>
-              <a:t> </a:t>
-            </a:r>
-            <a:r>
-              <a:rPr lang="ko-KR" altLang="en-US" dirty="0"/>
-              <a:t>지금까지의 방법론들은 </a:t>
-            </a:r>
-            <a:r>
-              <a:rPr lang="en-US" altLang="ko-KR" dirty="0"/>
-              <a:t>Negative transfer</a:t>
-            </a:r>
-            <a:r>
-              <a:rPr lang="ko-KR" altLang="en-US" dirty="0"/>
-              <a:t>은 해결하고자 했으나</a:t>
-            </a:r>
-            <a:r>
-              <a:rPr lang="en-US" altLang="ko-KR" dirty="0"/>
-              <a:t>, Seesaw Phenomenon</a:t>
-            </a:r>
-            <a:r>
-              <a:rPr lang="ko-KR" altLang="en-US" dirty="0"/>
-              <a:t>에 대해선 고려하지 않았습니다</a:t>
-            </a:r>
-            <a:r>
-              <a:rPr lang="en-US" altLang="ko-KR" dirty="0"/>
-              <a:t>. </a:t>
-            </a:r>
+              <a:t>하지만 모든 </a:t>
+            </a:r>
+            <a:r>
+              <a:rPr lang="en-US" altLang="ko-KR" dirty="0"/>
+              <a:t>Sample</a:t>
+            </a:r>
+            <a:r>
+              <a:rPr lang="ko-KR" altLang="en-US" dirty="0"/>
+              <a:t>에 대해서 고정된 </a:t>
+            </a:r>
+            <a:r>
+              <a:rPr lang="en-US" altLang="ko-KR" dirty="0"/>
+              <a:t>/ </a:t>
+            </a:r>
+            <a:r>
+              <a:rPr lang="ko-KR" altLang="en-US" dirty="0"/>
+              <a:t>동일한 가중치를 매겼기 때문에 </a:t>
+            </a:r>
+            <a:endParaRPr lang="en-US" altLang="ko-KR" dirty="0"/>
           </a:p>
           <a:p>
             <a:pPr marL="0" marR="0" lvl="0" indent="0" algn="l" defTabSz="914400" rtl="0" eaLnBrk="1" fontAlgn="auto" latinLnBrk="1" hangingPunct="1">
@@ -7902,33 +7775,20 @@
             </a:pPr>
             <a:r>
               <a:rPr lang="ko-KR" altLang="en-US" dirty="0"/>
-              <a:t>따라서 </a:t>
-            </a:r>
-            <a:r>
-              <a:rPr lang="en-US" altLang="ko-KR" dirty="0"/>
-              <a:t>Task </a:t>
-            </a:r>
-            <a:r>
-              <a:rPr lang="ko-KR" altLang="en-US" dirty="0"/>
-              <a:t>가 시행되는 </a:t>
-            </a:r>
-            <a:r>
-              <a:rPr lang="en-US" altLang="ko-KR" dirty="0"/>
-              <a:t>Expert </a:t>
-            </a:r>
-            <a:r>
-              <a:rPr lang="ko-KR" altLang="en-US" dirty="0"/>
-              <a:t>사이에서 차이와 관계 둘 다 고려할 줄 아는 모델을 디자인하는 것이 필요했습니다</a:t>
+              <a:t>보다 정밀한 성과를 이끌어 내지 못했으며</a:t>
+            </a:r>
+            <a:r>
+              <a:rPr lang="en-US" altLang="ko-KR" dirty="0"/>
+              <a:t>, Seesaw Phenomenon</a:t>
+            </a:r>
+            <a:r>
+              <a:rPr lang="ko-KR" altLang="en-US" dirty="0"/>
+              <a:t> 또한 해결하지 못했습니다</a:t>
             </a:r>
             <a:r>
               <a:rPr lang="en-US" altLang="ko-KR" dirty="0"/>
               <a:t>. </a:t>
             </a:r>
-            <a:r>
-              <a:rPr lang="ko-KR" altLang="en-US" dirty="0"/>
-              <a:t> </a:t>
-            </a:r>
-            <a:endParaRPr lang="en-US" altLang="ko-KR" dirty="0"/>
           </a:p>
           <a:p>
             <a:pPr marL="0" marR="0" lvl="0" indent="0" algn="l" defTabSz="914400" rtl="0" eaLnBrk="1" fontAlgn="auto" latinLnBrk="1" hangingPunct="1">
@@ -7968,29 +7828,21 @@
               <a:tabLst/>
               <a:defRPr/>
             </a:pPr>
-            <a:endParaRPr lang="en-US" altLang="ko-KR" dirty="0"/>
-          </a:p>
-          <a:p>
-            <a:pPr marL="0" marR="0" lvl="0" indent="0" algn="l" defTabSz="914400" rtl="0" eaLnBrk="1" fontAlgn="auto" latinLnBrk="1" hangingPunct="1">
-              <a:lnSpc>
-                <a:spcPct val="100000"/>
-              </a:lnSpc>
-              <a:spcBef>
-                <a:spcPts val="0"/>
-              </a:spcBef>
-              <a:spcAft>
-                <a:spcPts val="0"/>
-              </a:spcAft>
-              <a:buClrTx/>
-              <a:buSzTx/>
-              <a:buFontTx/>
-              <a:buNone/>
-              <a:tabLst/>
-              <a:defRPr/>
-            </a:pPr>
-            <a:r>
-              <a:rPr lang="en-US" altLang="ko-KR" dirty="0"/>
-              <a:t>So far, many methodologies are devised such as Cross-stitch network, Slice network, and MMOE to solve Negative Transfer. </a:t>
+            <a:r>
+              <a:rPr lang="ko-KR" altLang="en-US" dirty="0"/>
+              <a:t>따라서 </a:t>
+            </a:r>
+            <a:r>
+              <a:rPr lang="en-US" altLang="ko-KR" dirty="0"/>
+              <a:t>Adaptive combinations of task</a:t>
+            </a:r>
+            <a:r>
+              <a:rPr lang="ko-KR" altLang="en-US" dirty="0"/>
+              <a:t>가 필요하다는 걸 확인할 수 있습니다</a:t>
+            </a:r>
+            <a:r>
+              <a:rPr lang="en-US" altLang="ko-KR" dirty="0"/>
+              <a:t>. </a:t>
             </a:r>
           </a:p>
           <a:p>
@@ -8031,10 +7883,7 @@
               <a:tabLst/>
               <a:defRPr/>
             </a:pPr>
-            <a:r>
-              <a:rPr lang="en-US" altLang="ko-KR" dirty="0"/>
-              <a:t>As an example, MMOE distinguished the differences between each task through the Gate Network, resulting in SOTA results. </a:t>
-            </a:r>
+            <a:endParaRPr lang="en-US" altLang="ko-KR" dirty="0"/>
           </a:p>
           <a:p>
             <a:pPr marL="0" marR="0" lvl="0" indent="0" algn="l" defTabSz="914400" rtl="0" eaLnBrk="1" fontAlgn="auto" latinLnBrk="1" hangingPunct="1">
@@ -8056,7 +7905,7 @@
             </a:pPr>
             <a:r>
               <a:rPr lang="en-US" altLang="ko-KR" dirty="0"/>
-              <a:t>However, there was a limit to performance improvement because no correlation was found between each task.</a:t>
+              <a:t>we can find improvement point by looking at the characteristics and limitations of each methodology. </a:t>
             </a:r>
           </a:p>
           <a:p>
@@ -8099,7 +7948,7 @@
             </a:pPr>
             <a:r>
               <a:rPr lang="en-US" altLang="ko-KR" dirty="0"/>
-              <a:t>Other methodologies have tried to solve Negative transfer, but have not considered Seesaw Phenomenon. </a:t>
+              <a:t>First of all, for Cross-Stitch Network and Loose Network, </a:t>
             </a:r>
           </a:p>
           <a:p>
@@ -8122,7 +7971,116 @@
             </a:pPr>
             <a:r>
               <a:rPr lang="en-US" altLang="ko-KR" dirty="0"/>
-              <a:t>Therefore, it was necessary to design a model that could take into account both differences and relationships between the Expert</a:t>
+              <a:t>They learned the weights from different Tasks by linear combinations of the representation. </a:t>
+            </a:r>
+          </a:p>
+          <a:p>
+            <a:pPr marL="0" marR="0" lvl="0" indent="0" algn="l" defTabSz="914400" rtl="0" eaLnBrk="1" fontAlgn="auto" latinLnBrk="1" hangingPunct="1">
+              <a:lnSpc>
+                <a:spcPct val="100000"/>
+              </a:lnSpc>
+              <a:spcBef>
+                <a:spcPts val="0"/>
+              </a:spcBef>
+              <a:spcAft>
+                <a:spcPts val="0"/>
+              </a:spcAft>
+              <a:buClrTx/>
+              <a:buSzTx/>
+              <a:buFontTx/>
+              <a:buNone/>
+              <a:tabLst/>
+              <a:defRPr/>
+            </a:pPr>
+            <a:endParaRPr lang="en-US" altLang="ko-KR" dirty="0"/>
+          </a:p>
+          <a:p>
+            <a:pPr marL="0" marR="0" lvl="0" indent="0" algn="l" defTabSz="914400" rtl="0" eaLnBrk="1" fontAlgn="auto" latinLnBrk="1" hangingPunct="1">
+              <a:lnSpc>
+                <a:spcPct val="100000"/>
+              </a:lnSpc>
+              <a:spcBef>
+                <a:spcPts val="0"/>
+              </a:spcBef>
+              <a:spcAft>
+                <a:spcPts val="0"/>
+              </a:spcAft>
+              <a:buClrTx/>
+              <a:buSzTx/>
+              <a:buFontTx/>
+              <a:buNone/>
+              <a:tabLst/>
+              <a:defRPr/>
+            </a:pPr>
+            <a:r>
+              <a:rPr lang="en-US" altLang="ko-KR" dirty="0"/>
+              <a:t>However, they have fixed/equal weights for all samples </a:t>
+            </a:r>
+          </a:p>
+          <a:p>
+            <a:pPr marL="0" marR="0" lvl="0" indent="0" algn="l" defTabSz="914400" rtl="0" eaLnBrk="1" fontAlgn="auto" latinLnBrk="1" hangingPunct="1">
+              <a:lnSpc>
+                <a:spcPct val="100000"/>
+              </a:lnSpc>
+              <a:spcBef>
+                <a:spcPts val="0"/>
+              </a:spcBef>
+              <a:spcAft>
+                <a:spcPts val="0"/>
+              </a:spcAft>
+              <a:buClrTx/>
+              <a:buSzTx/>
+              <a:buFontTx/>
+              <a:buNone/>
+              <a:tabLst/>
+              <a:defRPr/>
+            </a:pPr>
+            <a:r>
+              <a:rPr lang="en-US" altLang="ko-KR" dirty="0"/>
+              <a:t>It did not derive more precise results, nor did it address Seesaw Phenomenon. </a:t>
+            </a:r>
+          </a:p>
+          <a:p>
+            <a:pPr marL="0" marR="0" lvl="0" indent="0" algn="l" defTabSz="914400" rtl="0" eaLnBrk="1" fontAlgn="auto" latinLnBrk="1" hangingPunct="1">
+              <a:lnSpc>
+                <a:spcPct val="100000"/>
+              </a:lnSpc>
+              <a:spcBef>
+                <a:spcPts val="0"/>
+              </a:spcBef>
+              <a:spcAft>
+                <a:spcPts val="0"/>
+              </a:spcAft>
+              <a:buClrTx/>
+              <a:buSzTx/>
+              <a:buFontTx/>
+              <a:buNone/>
+              <a:tabLst/>
+              <a:defRPr/>
+            </a:pPr>
+            <a:endParaRPr lang="en-US" altLang="ko-KR" dirty="0"/>
+          </a:p>
+          <a:p>
+            <a:pPr marL="0" marR="0" lvl="0" indent="0" algn="l" defTabSz="914400" rtl="0" eaLnBrk="1" fontAlgn="auto" latinLnBrk="1" hangingPunct="1">
+              <a:lnSpc>
+                <a:spcPct val="100000"/>
+              </a:lnSpc>
+              <a:spcBef>
+                <a:spcPts val="0"/>
+              </a:spcBef>
+              <a:spcAft>
+                <a:spcPts val="0"/>
+              </a:spcAft>
+              <a:buClrTx/>
+              <a:buSzTx/>
+              <a:buFontTx/>
+              <a:buNone/>
+              <a:tabLst/>
+              <a:defRPr/>
+            </a:pPr>
+            <a:r>
+              <a:rPr lang="en-US" altLang="ko-KR" dirty="0"/>
+              <a:t>Therefore, we can see that Adaptive combinations of tasks are required.</a:t>
             </a:r>
             <a:endParaRPr lang="ko-KR" altLang="en-US" dirty="0"/>
           </a:p>
@@ -8226,24 +8184,36 @@
               <a:defRPr/>
             </a:pPr>
             <a:r>
-              <a:rPr lang="ko-KR" altLang="en-US" dirty="0"/>
-              <a:t>지금까지 </a:t>
-            </a:r>
-            <a:r>
-              <a:rPr lang="en-US" altLang="ko-KR" dirty="0"/>
-              <a:t>Negative Transfer</a:t>
-            </a:r>
-            <a:r>
-              <a:rPr lang="ko-KR" altLang="en-US" dirty="0"/>
-              <a:t>을 해결하기 위해 </a:t>
-            </a:r>
-            <a:r>
-              <a:rPr lang="en-US" altLang="ko-KR" dirty="0"/>
-              <a:t>Cross-stitch network, Sluice network, MMOE </a:t>
-            </a:r>
-            <a:r>
-              <a:rPr lang="ko-KR" altLang="en-US" dirty="0"/>
-              <a:t>등의 방법론을 고안해왔습니다</a:t>
+              <a:rPr lang="en-US" altLang="ko-KR" dirty="0"/>
+              <a:t>SOTA </a:t>
+            </a:r>
+            <a:r>
+              <a:rPr lang="ko-KR" altLang="en-US" dirty="0"/>
+              <a:t>방법인 </a:t>
+            </a:r>
+            <a:r>
+              <a:rPr lang="en-US" altLang="ko-KR" dirty="0"/>
+              <a:t>MMOE</a:t>
+            </a:r>
+            <a:r>
+              <a:rPr lang="ko-KR" altLang="en-US" dirty="0"/>
+              <a:t>의 경우 </a:t>
+            </a:r>
+            <a:r>
+              <a:rPr lang="en-US" altLang="ko-KR" dirty="0"/>
+              <a:t>Gate Network</a:t>
+            </a:r>
+            <a:r>
+              <a:rPr lang="ko-KR" altLang="en-US" dirty="0"/>
+              <a:t>을 사용하여 각 </a:t>
+            </a:r>
+            <a:r>
+              <a:rPr lang="en-US" altLang="ko-KR" dirty="0"/>
+              <a:t>Task</a:t>
+            </a:r>
+            <a:r>
+              <a:rPr lang="ko-KR" altLang="en-US" dirty="0"/>
+              <a:t> 간의 차이점을 조화시켰습니다</a:t>
             </a:r>
             <a:r>
               <a:rPr lang="en-US" altLang="ko-KR" dirty="0"/>
@@ -8290,23 +8260,7 @@
             </a:pPr>
             <a:r>
               <a:rPr lang="ko-KR" altLang="en-US" dirty="0"/>
-              <a:t>하나의 예시로 </a:t>
-            </a:r>
-            <a:r>
-              <a:rPr lang="en-US" altLang="ko-KR" dirty="0"/>
-              <a:t>MMOE</a:t>
-            </a:r>
-            <a:r>
-              <a:rPr lang="ko-KR" altLang="en-US" dirty="0"/>
-              <a:t>는 </a:t>
-            </a:r>
-            <a:r>
-              <a:rPr lang="en-US" altLang="ko-KR" dirty="0"/>
-              <a:t>Gate Network</a:t>
-            </a:r>
-            <a:r>
-              <a:rPr lang="ko-KR" altLang="en-US" dirty="0"/>
-              <a:t>를 통해서 각 </a:t>
+              <a:t>이를 통해 </a:t>
             </a:r>
             <a:r>
               <a:rPr lang="en-US" altLang="ko-KR" dirty="0"/>
@@ -8314,62 +8268,19 @@
             </a:r>
             <a:r>
               <a:rPr lang="ko-KR" altLang="en-US" dirty="0"/>
-              <a:t>간의 차이점을 구별했고</a:t>
-            </a:r>
-            <a:r>
-              <a:rPr lang="en-US" altLang="ko-KR" dirty="0"/>
-              <a:t>, </a:t>
-            </a:r>
-            <a:r>
-              <a:rPr lang="ko-KR" altLang="en-US" dirty="0"/>
-              <a:t>그 결과 </a:t>
-            </a:r>
-            <a:r>
-              <a:rPr lang="en-US" altLang="ko-KR" dirty="0"/>
-              <a:t>SOTA </a:t>
-            </a:r>
-            <a:r>
-              <a:rPr lang="ko-KR" altLang="en-US" dirty="0"/>
-              <a:t>결과를 만들어 냈습니다</a:t>
+              <a:t>간의 차이를 잘 조율하여 </a:t>
+            </a:r>
+            <a:r>
+              <a:rPr lang="en-US" altLang="ko-KR" dirty="0"/>
+              <a:t>1) Deal with negative transfer, 2) Optimize multiple objectives </a:t>
+            </a:r>
+            <a:r>
+              <a:rPr lang="ko-KR" altLang="en-US" dirty="0"/>
+              <a:t>를 할 수 있습니다</a:t>
             </a:r>
             <a:r>
               <a:rPr lang="en-US" altLang="ko-KR" dirty="0"/>
               <a:t>. </a:t>
-            </a:r>
-          </a:p>
-          <a:p>
-            <a:pPr marL="0" marR="0" lvl="0" indent="0" algn="l" defTabSz="914400" rtl="0" eaLnBrk="1" fontAlgn="auto" latinLnBrk="1" hangingPunct="1">
-              <a:lnSpc>
-                <a:spcPct val="100000"/>
-              </a:lnSpc>
-              <a:spcBef>
-                <a:spcPts val="0"/>
-              </a:spcBef>
-              <a:spcAft>
-                <a:spcPts val="0"/>
-              </a:spcAft>
-              <a:buClrTx/>
-              <a:buSzTx/>
-              <a:buFontTx/>
-              <a:buNone/>
-              <a:tabLst/>
-              <a:defRPr/>
-            </a:pPr>
-            <a:r>
-              <a:rPr lang="ko-KR" altLang="en-US" dirty="0"/>
-              <a:t>하지만 각 </a:t>
-            </a:r>
-            <a:r>
-              <a:rPr lang="en-US" altLang="ko-KR" dirty="0"/>
-              <a:t>Task</a:t>
-            </a:r>
-            <a:r>
-              <a:rPr lang="ko-KR" altLang="en-US" dirty="0"/>
-              <a:t> 간의 상관관계를 찾아내지 못했기 때문에 성능 향상에 제약이 있었습니다</a:t>
-            </a:r>
-            <a:r>
-              <a:rPr lang="en-US" altLang="ko-KR" dirty="0"/>
-              <a:t>.</a:t>
             </a:r>
           </a:p>
           <a:p>
@@ -8412,31 +8323,23 @@
             </a:pPr>
             <a:r>
               <a:rPr lang="ko-KR" altLang="en-US" dirty="0"/>
-              <a:t>그 외에도</a:t>
-            </a:r>
-            <a:r>
-              <a:rPr lang="en-US" altLang="ko-KR" dirty="0"/>
-              <a:t> </a:t>
-            </a:r>
-            <a:r>
-              <a:rPr lang="ko-KR" altLang="en-US" dirty="0"/>
-              <a:t>지금까지의 방법론들은 </a:t>
-            </a:r>
-            <a:r>
-              <a:rPr lang="en-US" altLang="ko-KR" dirty="0"/>
-              <a:t>Negative transfer</a:t>
-            </a:r>
-            <a:r>
-              <a:rPr lang="ko-KR" altLang="en-US" dirty="0"/>
-              <a:t>은 해결하고자 했으나</a:t>
-            </a:r>
-            <a:r>
-              <a:rPr lang="en-US" altLang="ko-KR" dirty="0"/>
-              <a:t>, Seesaw Phenomenon</a:t>
-            </a:r>
-            <a:r>
-              <a:rPr lang="ko-KR" altLang="en-US" dirty="0"/>
-              <a:t>에 대해선 고려하지 않았습니다</a:t>
+              <a:t>하지만 </a:t>
+            </a:r>
+            <a:r>
+              <a:rPr lang="en-US" altLang="ko-KR" dirty="0"/>
+              <a:t>MMOE</a:t>
+            </a:r>
+            <a:r>
+              <a:rPr lang="ko-KR" altLang="en-US" dirty="0"/>
+              <a:t>는 </a:t>
+            </a:r>
+            <a:r>
+              <a:rPr lang="en-US" altLang="ko-KR" dirty="0"/>
+              <a:t>Task </a:t>
+            </a:r>
+            <a:r>
+              <a:rPr lang="ko-KR" altLang="en-US" dirty="0"/>
+              <a:t>간의 관계를 고려하지 않았다는 단점이 있습니다</a:t>
             </a:r>
             <a:r>
               <a:rPr lang="en-US" altLang="ko-KR" dirty="0"/>
@@ -8463,33 +8366,28 @@
             </a:pPr>
             <a:r>
               <a:rPr lang="ko-KR" altLang="en-US" dirty="0"/>
-              <a:t>따라서 </a:t>
-            </a:r>
-            <a:r>
-              <a:rPr lang="en-US" altLang="ko-KR" dirty="0"/>
-              <a:t>Task </a:t>
-            </a:r>
-            <a:r>
-              <a:rPr lang="ko-KR" altLang="en-US" dirty="0"/>
-              <a:t>가 시행되는 </a:t>
-            </a:r>
-            <a:r>
-              <a:rPr lang="en-US" altLang="ko-KR" dirty="0"/>
-              <a:t>Expert </a:t>
-            </a:r>
-            <a:r>
-              <a:rPr lang="ko-KR" altLang="en-US" dirty="0"/>
-              <a:t>사이에서 차이와 관계 둘 다 고려할 줄 아는 모델을 디자인하는 것이 필요했습니다</a:t>
+              <a:t>이는 모델의 성능을 제한했으며</a:t>
+            </a:r>
+            <a:r>
+              <a:rPr lang="en-US" altLang="ko-KR" dirty="0"/>
+              <a:t>, </a:t>
+            </a:r>
+            <a:r>
+              <a:rPr lang="ko-KR" altLang="en-US" dirty="0"/>
+              <a:t>또한 </a:t>
+            </a:r>
+            <a:r>
+              <a:rPr lang="en-US" altLang="ko-KR" dirty="0"/>
+              <a:t>seesaw Phenomenon</a:t>
+            </a:r>
+            <a:r>
+              <a:rPr lang="ko-KR" altLang="en-US" dirty="0"/>
+              <a:t>을 해결하지 못했습니다</a:t>
             </a:r>
             <a:r>
               <a:rPr lang="en-US" altLang="ko-KR" dirty="0"/>
               <a:t>. </a:t>
             </a:r>
-            <a:r>
-              <a:rPr lang="ko-KR" altLang="en-US" dirty="0"/>
-              <a:t> </a:t>
-            </a:r>
-            <a:endParaRPr lang="en-US" altLang="ko-KR" dirty="0"/>
           </a:p>
           <a:p>
             <a:pPr marL="0" marR="0" lvl="0" indent="0" algn="l" defTabSz="914400" rtl="0" eaLnBrk="1" fontAlgn="auto" latinLnBrk="1" hangingPunct="1">
@@ -8529,29 +8427,37 @@
               <a:tabLst/>
               <a:defRPr/>
             </a:pPr>
-            <a:endParaRPr lang="en-US" altLang="ko-KR" dirty="0"/>
-          </a:p>
-          <a:p>
-            <a:pPr marL="0" marR="0" lvl="0" indent="0" algn="l" defTabSz="914400" rtl="0" eaLnBrk="1" fontAlgn="auto" latinLnBrk="1" hangingPunct="1">
-              <a:lnSpc>
-                <a:spcPct val="100000"/>
-              </a:lnSpc>
-              <a:spcBef>
-                <a:spcPts val="0"/>
-              </a:spcBef>
-              <a:spcAft>
-                <a:spcPts val="0"/>
-              </a:spcAft>
-              <a:buClrTx/>
-              <a:buSzTx/>
-              <a:buFontTx/>
-              <a:buNone/>
-              <a:tabLst/>
-              <a:defRPr/>
-            </a:pPr>
-            <a:r>
-              <a:rPr lang="en-US" altLang="ko-KR" dirty="0"/>
-              <a:t>So far, many methodologies are devised such as Cross-stitch network, Slice network, and MMOE to solve Negative Transfer. </a:t>
+            <a:r>
+              <a:rPr lang="ko-KR" altLang="en-US" dirty="0"/>
+              <a:t>따라서</a:t>
+            </a:r>
+            <a:r>
+              <a:rPr lang="en-US" altLang="ko-KR" dirty="0"/>
+              <a:t>, Gate network </a:t>
+            </a:r>
+            <a:r>
+              <a:rPr lang="ko-KR" altLang="en-US" dirty="0"/>
+              <a:t>는 유용하나</a:t>
+            </a:r>
+            <a:r>
+              <a:rPr lang="en-US" altLang="ko-KR" dirty="0"/>
+              <a:t>, </a:t>
+            </a:r>
+            <a:r>
+              <a:rPr lang="ko-KR" altLang="en-US" dirty="0"/>
+              <a:t>추가적으로 </a:t>
+            </a:r>
+            <a:r>
+              <a:rPr lang="en-US" altLang="ko-KR" dirty="0"/>
+              <a:t>Tasks specific / task-shared concept </a:t>
+            </a:r>
+            <a:r>
+              <a:rPr lang="ko-KR" altLang="en-US" dirty="0"/>
+              <a:t>을 도입해야 함을 확인할 수 있습니다</a:t>
+            </a:r>
+            <a:r>
+              <a:rPr lang="en-US" altLang="ko-KR" dirty="0"/>
+              <a:t>. </a:t>
             </a:r>
           </a:p>
           <a:p>
@@ -8592,10 +8498,7 @@
               <a:tabLst/>
               <a:defRPr/>
             </a:pPr>
-            <a:r>
-              <a:rPr lang="en-US" altLang="ko-KR" dirty="0"/>
-              <a:t>As an example, MMOE distinguished the differences between each task through the Gate Network, resulting in SOTA results. </a:t>
-            </a:r>
+            <a:endParaRPr lang="en-US" altLang="ko-KR" dirty="0"/>
           </a:p>
           <a:p>
             <a:pPr marL="0" marR="0" lvl="0" indent="0" algn="l" defTabSz="914400" rtl="0" eaLnBrk="1" fontAlgn="auto" latinLnBrk="1" hangingPunct="1">
@@ -8617,7 +8520,7 @@
             </a:pPr>
             <a:r>
               <a:rPr lang="en-US" altLang="ko-KR" dirty="0"/>
-              <a:t>However, there was a limit to performance improvement because no correlation was found between each task.</a:t>
+              <a:t>In the case of the SOTA method, MMOE, the difference between each task was reconciled using the Gate Network. </a:t>
             </a:r>
           </a:p>
           <a:p>
@@ -8660,7 +8563,7 @@
             </a:pPr>
             <a:r>
               <a:rPr lang="en-US" altLang="ko-KR" dirty="0"/>
-              <a:t>Other methodologies have tried to solve Negative transfer, but have not considered Seesaw Phenomenon. </a:t>
+              <a:t>This allows for 1) Deal with negative transfer, 2) Optimize multiple objects by adjusting the differences between tasks well. </a:t>
             </a:r>
           </a:p>
           <a:p>
@@ -8681,9 +8584,95 @@
               <a:tabLst/>
               <a:defRPr/>
             </a:pPr>
-            <a:r>
-              <a:rPr lang="en-US" altLang="ko-KR" dirty="0"/>
-              <a:t>Therefore, it was necessary to design a model that could take into account both differences and relationships between the Expert</a:t>
+            <a:endParaRPr lang="en-US" altLang="ko-KR" dirty="0"/>
+          </a:p>
+          <a:p>
+            <a:pPr marL="0" marR="0" lvl="0" indent="0" algn="l" defTabSz="914400" rtl="0" eaLnBrk="1" fontAlgn="auto" latinLnBrk="1" hangingPunct="1">
+              <a:lnSpc>
+                <a:spcPct val="100000"/>
+              </a:lnSpc>
+              <a:spcBef>
+                <a:spcPts val="0"/>
+              </a:spcBef>
+              <a:spcAft>
+                <a:spcPts val="0"/>
+              </a:spcAft>
+              <a:buClrTx/>
+              <a:buSzTx/>
+              <a:buFontTx/>
+              <a:buNone/>
+              <a:tabLst/>
+              <a:defRPr/>
+            </a:pPr>
+            <a:r>
+              <a:rPr lang="en-US" altLang="ko-KR" dirty="0"/>
+              <a:t>However, MMOE has the disadvantage of not considering the relationship between tasks. </a:t>
+            </a:r>
+          </a:p>
+          <a:p>
+            <a:pPr marL="0" marR="0" lvl="0" indent="0" algn="l" defTabSz="914400" rtl="0" eaLnBrk="1" fontAlgn="auto" latinLnBrk="1" hangingPunct="1">
+              <a:lnSpc>
+                <a:spcPct val="100000"/>
+              </a:lnSpc>
+              <a:spcBef>
+                <a:spcPts val="0"/>
+              </a:spcBef>
+              <a:spcAft>
+                <a:spcPts val="0"/>
+              </a:spcAft>
+              <a:buClrTx/>
+              <a:buSzTx/>
+              <a:buFontTx/>
+              <a:buNone/>
+              <a:tabLst/>
+              <a:defRPr/>
+            </a:pPr>
+            <a:r>
+              <a:rPr lang="en-US" altLang="ko-KR" dirty="0"/>
+              <a:t>This limited the performance of the model and did not address the seesaw Phenomenon. </a:t>
+            </a:r>
+          </a:p>
+          <a:p>
+            <a:pPr marL="0" marR="0" lvl="0" indent="0" algn="l" defTabSz="914400" rtl="0" eaLnBrk="1" fontAlgn="auto" latinLnBrk="1" hangingPunct="1">
+              <a:lnSpc>
+                <a:spcPct val="100000"/>
+              </a:lnSpc>
+              <a:spcBef>
+                <a:spcPts val="0"/>
+              </a:spcBef>
+              <a:spcAft>
+                <a:spcPts val="0"/>
+              </a:spcAft>
+              <a:buClrTx/>
+              <a:buSzTx/>
+              <a:buFontTx/>
+              <a:buNone/>
+              <a:tabLst/>
+              <a:defRPr/>
+            </a:pPr>
+            <a:endParaRPr lang="en-US" altLang="ko-KR" dirty="0"/>
+          </a:p>
+          <a:p>
+            <a:pPr marL="0" marR="0" lvl="0" indent="0" algn="l" defTabSz="914400" rtl="0" eaLnBrk="1" fontAlgn="auto" latinLnBrk="1" hangingPunct="1">
+              <a:lnSpc>
+                <a:spcPct val="100000"/>
+              </a:lnSpc>
+              <a:spcBef>
+                <a:spcPts val="0"/>
+              </a:spcBef>
+              <a:spcAft>
+                <a:spcPts val="0"/>
+              </a:spcAft>
+              <a:buClrTx/>
+              <a:buSzTx/>
+              <a:buFontTx/>
+              <a:buNone/>
+              <a:tabLst/>
+              <a:defRPr/>
+            </a:pPr>
+            <a:r>
+              <a:rPr lang="en-US" altLang="ko-KR" dirty="0"/>
+              <a:t>As a result, we can see that the Gate network is useful, but additional Tasks specific / task-shared concept needs to be introduced.</a:t>
             </a:r>
             <a:endParaRPr lang="ko-KR" altLang="en-US" dirty="0"/>
           </a:p>
@@ -9383,6 +9372,24 @@
             <a:endParaRPr lang="en-US" altLang="ko-KR" dirty="0"/>
           </a:p>
           <a:p>
+            <a:r>
+              <a:rPr lang="ko-KR" altLang="en-US" dirty="0"/>
+              <a:t>이때 서로 다른 </a:t>
+            </a:r>
+            <a:r>
+              <a:rPr lang="en-US" altLang="ko-KR" dirty="0"/>
+              <a:t>Task-specific expert </a:t>
+            </a:r>
+            <a:r>
+              <a:rPr lang="ko-KR" altLang="en-US" dirty="0"/>
+              <a:t>간의 연결은 끊었다는 점이 중요합니다</a:t>
+            </a:r>
+            <a:r>
+              <a:rPr lang="en-US" altLang="ko-KR" dirty="0"/>
+              <a:t>. </a:t>
+            </a:r>
+          </a:p>
+          <a:p>
             <a:endParaRPr lang="en-US" altLang="ko-KR" dirty="0"/>
           </a:p>
           <a:p>
@@ -9540,6 +9547,12 @@
             <a:r>
               <a:rPr lang="en-US" altLang="ko-KR" dirty="0"/>
               <a:t>Afterwards, each specific expert and shared expert are dynamically combined through gate in Green.  </a:t>
+            </a:r>
+          </a:p>
+          <a:p>
+            <a:r>
+              <a:rPr lang="en-US" altLang="ko-KR" dirty="0"/>
+              <a:t>It is important to note that the connection between different Task-specific experts has been disconnected.</a:t>
             </a:r>
           </a:p>
           <a:p>
@@ -11538,7 +11551,7 @@
             <p:nvPr/>
           </p:nvPicPr>
           <p:blipFill>
-            <a:blip r:embed="rId4"/>
+            <a:blip r:embed="rId3"/>
             <a:stretch>
               <a:fillRect/>
             </a:stretch>
@@ -11655,7 +11668,7 @@
           <a:p>
             <a:pPr algn="just"/>
             <a:r>
-              <a:rPr lang="en-US" altLang="ko-KR" sz="2400" dirty="0"/>
+              <a:rPr lang="en-US" altLang="ko-KR" sz="2400" b="1" dirty="0"/>
               <a:t>There are two differences</a:t>
             </a:r>
           </a:p>
@@ -11789,18 +11802,7 @@
             </a:pPr>
             <a:r>
               <a:rPr lang="en-US" altLang="ko-KR" dirty="0"/>
-              <a:t>It looks like MMOE’s routing strategy is generalization version of CGC.</a:t>
-            </a:r>
-          </a:p>
-          <a:p>
-            <a:pPr algn="ctr">
-              <a:lnSpc>
-                <a:spcPct val="100000"/>
-              </a:lnSpc>
-            </a:pPr>
-            <a:r>
-              <a:rPr lang="en-US" altLang="ko-KR" dirty="0"/>
-              <a:t>But truth is not. It’ll be proved later</a:t>
+              <a:t>The difference of Routing Strategy and Bottom Ingressives allows  CGC to well consider the difference and relationship among Tasks.</a:t>
             </a:r>
             <a:endParaRPr lang="ko-KR" altLang="en-US" dirty="0"/>
           </a:p>
@@ -11861,7 +11863,7 @@
               <p:nvPr/>
             </p:nvPicPr>
             <p:blipFill>
-              <a:blip r:embed="rId5"/>
+              <a:blip r:embed="rId4"/>
               <a:stretch>
                 <a:fillRect/>
               </a:stretch>
@@ -12445,11 +12447,6 @@
   <p:clrMapOvr>
     <a:masterClrMapping/>
   </p:clrMapOvr>
-  <p:extLst>
-    <p:ext uri="{6950BFC3-D8DA-4A85-94F7-54DA5524770B}">
-      <p188:commentRel xmlns:p188="http://schemas.microsoft.com/office/powerpoint/2018/8/main" r:id="rId3"/>
-    </p:ext>
-  </p:extLst>
 </p:sld>
 </file>
 
@@ -12821,8 +12818,8 @@
         </p:nvSpPr>
         <p:spPr>
           <a:xfrm>
-            <a:off x="372891" y="1862955"/>
-            <a:ext cx="6300624" cy="3432478"/>
+            <a:off x="372891" y="1930142"/>
+            <a:ext cx="6300624" cy="3232423"/>
           </a:xfrm>
           <a:prstGeom prst="rect">
             <a:avLst/>
@@ -12852,16 +12849,14 @@
             </a:lvl1pPr>
           </a:lstStyle>
           <a:p>
-            <a:pPr marL="457200" indent="-457200" algn="just">
-              <a:buAutoNum type="arabicPeriod"/>
-            </a:pPr>
-            <a:r>
-              <a:rPr lang="en-US" altLang="ko-KR" sz="2000" dirty="0">
+            <a:pPr algn="just"/>
+            <a:r>
+              <a:rPr lang="en-US" altLang="ko-KR" sz="2400" dirty="0">
                 <a:latin typeface="KoPubWorld돋움체 Bold" panose="00000800000000000000" pitchFamily="2" charset="-127"/>
                 <a:ea typeface="KoPubWorld돋움체 Bold" panose="00000800000000000000" pitchFamily="2" charset="-127"/>
                 <a:cs typeface="KoPubWorld돋움체 Bold" panose="00000800000000000000" pitchFamily="2" charset="-127"/>
               </a:rPr>
-              <a:t>Hierarchy structure of information </a:t>
+              <a:t>1. Hierarchy structure of information </a:t>
             </a:r>
           </a:p>
           <a:p>
@@ -12875,7 +12870,14 @@
             <a:pPr algn="just"/>
             <a:r>
               <a:rPr lang="en-US" altLang="ko-KR" dirty="0"/>
-              <a:t> - Gating network in higher-level take the fusion results of gates in lower-level</a:t>
+              <a:t> - Gating network in higher-level take the fusion </a:t>
+            </a:r>
+          </a:p>
+          <a:p>
+            <a:pPr algn="just"/>
+            <a:r>
+              <a:rPr lang="en-US" altLang="ko-KR" dirty="0"/>
+              <a:t>     results of gates in lower-level</a:t>
             </a:r>
           </a:p>
           <a:p>
@@ -12885,7 +12887,7 @@
           <a:p>
             <a:pPr algn="just"/>
             <a:r>
-              <a:rPr lang="en-US" altLang="ko-KR" sz="2000" dirty="0">
+              <a:rPr lang="en-US" altLang="ko-KR" sz="2400" dirty="0">
                 <a:latin typeface="KoPubWorld돋움체 Bold" panose="00000800000000000000" pitchFamily="2" charset="-127"/>
                 <a:ea typeface="KoPubWorld돋움체 Bold" panose="00000800000000000000" pitchFamily="2" charset="-127"/>
                 <a:cs typeface="KoPubWorld돋움체 Bold" panose="00000800000000000000" pitchFamily="2" charset="-127"/>
@@ -12904,14 +12906,7 @@
             <a:pPr algn="just"/>
             <a:r>
               <a:rPr lang="en-US" altLang="ko-KR" dirty="0"/>
-              <a:t> - Consider high-level shared semantic </a:t>
-            </a:r>
-          </a:p>
-          <a:p>
-            <a:pPr algn="just"/>
-            <a:r>
-              <a:rPr lang="en-US" altLang="ko-KR" dirty="0"/>
-              <a:t>         representation gradually</a:t>
+              <a:t> - Consider high-level shared semantic representation </a:t>
             </a:r>
           </a:p>
         </p:txBody>
@@ -13028,12 +13023,12 @@
         </p:nvCxnSpPr>
         <p:spPr>
           <a:xfrm rot="10800000">
-            <a:off x="4924929" y="2165686"/>
-            <a:ext cx="1728285" cy="671948"/>
+            <a:off x="5512527" y="2233750"/>
+            <a:ext cx="1140691" cy="603887"/>
           </a:xfrm>
           <a:prstGeom prst="bentConnector3">
             <a:avLst>
-              <a:gd name="adj1" fmla="val 31"/>
+              <a:gd name="adj1" fmla="val 758"/>
             </a:avLst>
           </a:prstGeom>
           <a:ln>
@@ -13180,12 +13175,12 @@
         </p:nvCxnSpPr>
         <p:spPr>
           <a:xfrm rot="10800000">
-            <a:off x="4383315" y="4121300"/>
-            <a:ext cx="2996031" cy="561210"/>
+            <a:off x="5063527" y="4159700"/>
+            <a:ext cx="2315819" cy="522810"/>
           </a:xfrm>
           <a:prstGeom prst="bentConnector3">
             <a:avLst>
-              <a:gd name="adj1" fmla="val 24324"/>
+              <a:gd name="adj1" fmla="val 33078"/>
             </a:avLst>
           </a:prstGeom>
           <a:ln>
@@ -14893,7 +14888,7 @@
             </a:pPr>
             <a:r>
               <a:rPr lang="en-US" altLang="ko-KR" dirty="0"/>
-              <a:t>And it also proved the positive influence of Multi-task.</a:t>
+              <a:t>And it also proved the positive influence of Multi-task learning.</a:t>
             </a:r>
             <a:endParaRPr lang="ko-KR" altLang="en-US" dirty="0"/>
           </a:p>
@@ -15021,8 +15016,8 @@
         </p:nvSpPr>
         <p:spPr>
           <a:xfrm>
-            <a:off x="819558" y="4204626"/>
-            <a:ext cx="5038725" cy="1151854"/>
+            <a:off x="673970" y="4204626"/>
+            <a:ext cx="5309367" cy="1151854"/>
           </a:xfrm>
           <a:prstGeom prst="rect">
             <a:avLst/>
@@ -15058,14 +15053,7 @@
             </a:pPr>
             <a:r>
               <a:rPr lang="en-US" altLang="ko-KR" dirty="0"/>
-              <a:t>Shows improvement of MTL models over the single-task model on  Online total </a:t>
-            </a:r>
-          </a:p>
-          <a:p>
-            <a:pPr algn="just"/>
-            <a:r>
-              <a:rPr lang="en-US" altLang="ko-KR" dirty="0"/>
-              <a:t>       view count &amp; watch time</a:t>
+              <a:t>Shows improvement of MTL models over the single-task model on  Online total view count &amp; watch time</a:t>
             </a:r>
           </a:p>
         </p:txBody>
@@ -15121,7 +15109,7 @@
             </a:pPr>
             <a:r>
               <a:rPr lang="en-US" altLang="ko-KR" dirty="0"/>
-              <a:t>CGC &amp; PLE demonstrate the benefits of promoting task cooperation </a:t>
+              <a:t>CGC &amp; PLE show the benefits of promoting task cooperation </a:t>
             </a:r>
           </a:p>
           <a:p>
@@ -15439,8 +15427,8 @@
         </p:nvSpPr>
         <p:spPr>
           <a:xfrm>
-            <a:off x="231737" y="1340836"/>
-            <a:ext cx="6168703" cy="5270674"/>
+            <a:off x="231737" y="1411097"/>
+            <a:ext cx="6168703" cy="4550476"/>
           </a:xfrm>
           <a:prstGeom prst="rect">
             <a:avLst/>
@@ -15556,23 +15544,7 @@
             <a:pPr algn="just"/>
             <a:r>
               <a:rPr lang="en-US" altLang="ko-KR" dirty="0"/>
-              <a:t>→ Progressive separation routing provides a better joint routing and performance.</a:t>
-            </a:r>
-            <a:r>
-              <a:rPr lang="ko-KR" altLang="en-US" dirty="0"/>
-              <a:t> </a:t>
-            </a:r>
-            <a:r>
-              <a:rPr lang="en-US" altLang="ko-KR" dirty="0"/>
-              <a:t>And it means</a:t>
-            </a:r>
-            <a:r>
-              <a:rPr lang="ko-KR" altLang="en-US" dirty="0"/>
-              <a:t> </a:t>
-            </a:r>
-            <a:r>
-              <a:rPr lang="en-US" altLang="ko-KR" dirty="0"/>
-              <a:t>high-level deeper representation(-shared expert) is valuable</a:t>
+              <a:t>→ Show that high-level deeper representation is valuable</a:t>
             </a:r>
           </a:p>
           <a:p>
@@ -16350,7 +16322,7 @@
                 <a:ea typeface="KoPubWorld돋움체 Bold" panose="00000800000000000000" pitchFamily="2" charset="-127"/>
                 <a:cs typeface="KoPubWorld돋움체 Bold" panose="00000800000000000000" pitchFamily="2" charset="-127"/>
               </a:rPr>
-              <a:t>3. Show that considering all of relation between tasks not guarantee optimal result</a:t>
+              <a:t>3. Show that considering all of relation among tasks not guarantee optimal result</a:t>
             </a:r>
           </a:p>
           <a:p>
@@ -17321,7 +17293,7 @@
         <p:spPr>
           <a:xfrm>
             <a:off x="378950" y="1248691"/>
-            <a:ext cx="11813049" cy="5200847"/>
+            <a:ext cx="11813049" cy="5226046"/>
           </a:xfrm>
           <a:prstGeom prst="rect">
             <a:avLst/>
@@ -17351,16 +17323,14 @@
             </a:lvl1pPr>
           </a:lstStyle>
           <a:p>
-            <a:pPr marL="457200" indent="-457200" algn="just">
-              <a:buAutoNum type="arabicPeriod"/>
-            </a:pPr>
+            <a:pPr algn="just"/>
             <a:r>
               <a:rPr lang="en-US" altLang="ko-KR" sz="2400" dirty="0">
                 <a:latin typeface="KoPubWorld돋움체 Bold" panose="00000800000000000000" pitchFamily="2" charset="-127"/>
                 <a:ea typeface="KoPubWorld돋움체 Bold" panose="00000800000000000000" pitchFamily="2" charset="-127"/>
                 <a:cs typeface="KoPubWorld돋움체 Bold" panose="00000800000000000000" pitchFamily="2" charset="-127"/>
               </a:rPr>
-              <a:t>The PLE method is also effective in Public Data.</a:t>
+              <a:t>1. The PLE method is also effective in Public Data.</a:t>
             </a:r>
           </a:p>
           <a:p>
@@ -17374,7 +17344,7 @@
             <a:pPr algn="just"/>
             <a:r>
               <a:rPr lang="en-US" altLang="ko-KR" dirty="0"/>
-              <a:t>-  It proved that PLE consistently performs best </a:t>
+              <a:t>-  Prove that PLE consistently performs best </a:t>
             </a:r>
           </a:p>
           <a:p>
@@ -17388,7 +17358,7 @@
             <a:pPr algn="just"/>
             <a:r>
               <a:rPr lang="en-US" altLang="ko-KR" dirty="0"/>
-              <a:t>      and achieves 82.7% increase in MTL gain </a:t>
+              <a:t>-  Achieves 82.7% increase in MTL gain </a:t>
             </a:r>
           </a:p>
           <a:p>
@@ -17494,7 +17464,7 @@
         </p:blipFill>
         <p:spPr>
           <a:xfrm>
-            <a:off x="5775157" y="2005880"/>
+            <a:off x="5918850" y="2005880"/>
             <a:ext cx="4668585" cy="2320059"/>
           </a:xfrm>
           <a:prstGeom prst="rect">
@@ -17516,7 +17486,7 @@
         </p:nvSpPr>
         <p:spPr>
           <a:xfrm>
-            <a:off x="5775160" y="1625222"/>
+            <a:off x="5918853" y="1625222"/>
             <a:ext cx="5018192" cy="412742"/>
           </a:xfrm>
           <a:prstGeom prst="rect">
@@ -17791,7 +17761,7 @@
             </a:pPr>
             <a:r>
               <a:rPr lang="en-US" altLang="ko-KR" dirty="0"/>
-              <a:t>It showed that 'seesaw phenomenon' exists, and proved that PLE can solve this problem.</a:t>
+              <a:t>Show that there is 'seesaw phenomenon' and prove that PLE can solve this problem.</a:t>
             </a:r>
           </a:p>
           <a:p>
@@ -17860,7 +17830,7 @@
             </a:pPr>
             <a:r>
               <a:rPr lang="en-US" altLang="ko-KR" dirty="0"/>
-              <a:t>Even increase Total view count and Total Watch Time by 4.17% and 3.57% respectively in the online A/B test.</a:t>
+              <a:t>Increase Total view count and Total Watch Time by 4.17% and 3.57% respectively in the online A/B test.</a:t>
             </a:r>
             <a:endParaRPr lang="en-US" altLang="ko-KR" sz="2400" dirty="0"/>
           </a:p>
@@ -18843,7 +18813,7 @@
             <a:pPr algn="just"/>
             <a:r>
               <a:rPr lang="en-US" altLang="ko-KR" dirty="0"/>
-              <a:t>     while task-specific expert’s are only affected by the corresponding specific task</a:t>
+              <a:t>     while parameters of task-specific expert are only affected by the corresponding specific task</a:t>
             </a:r>
           </a:p>
           <a:p>
@@ -18879,7 +18849,7 @@
             <a:pPr algn="just"/>
             <a:r>
               <a:rPr lang="en-US" altLang="ko-KR" dirty="0"/>
-              <a:t>     Even if shared experts only consider relationship between the two tasks, </a:t>
+              <a:t>     Even if shared experts only consider relationship between each two tasks, </a:t>
             </a:r>
           </a:p>
           <a:p>
@@ -19865,7 +19835,7 @@
                 <a:ea typeface="KoPubWorld돋움체 Bold" panose="00000800000000000000" pitchFamily="2" charset="-127"/>
                 <a:cs typeface="KoPubWorld돋움체 Bold" panose="00000800000000000000" pitchFamily="2" charset="-127"/>
               </a:rPr>
-              <a:t>4. More deep PLE Model </a:t>
+              <a:t>4. More deep hierarchy PLE Model </a:t>
             </a:r>
           </a:p>
         </p:txBody>
@@ -19905,7 +19875,7 @@
           <p:cNvPr id="3" name="TextBox 2">
             <a:extLst>
               <a:ext uri="{FF2B5EF4-FFF2-40B4-BE49-F238E27FC236}">
-                <a16:creationId xmlns:a16="http://schemas.microsoft.com/office/drawing/2014/main" id="{3E1BC02B-9935-4A11-87D3-5C9500CE3C5C}"/>
+                <a16:creationId xmlns:a16="http://schemas.microsoft.com/office/drawing/2014/main" id="{A757D743-86A9-4348-9C4D-1D8A284A2A6A}"/>
               </a:ext>
             </a:extLst>
           </p:cNvPr>
@@ -19914,8 +19884,8 @@
         </p:nvSpPr>
         <p:spPr>
           <a:xfrm>
-            <a:off x="5058318" y="2485769"/>
-            <a:ext cx="7515225" cy="875561"/>
+            <a:off x="3519948" y="2889801"/>
+            <a:ext cx="5152103" cy="846386"/>
           </a:xfrm>
           <a:prstGeom prst="rect">
             <a:avLst/>
@@ -19930,13 +19900,13 @@
             <a:defPPr>
               <a:defRPr lang="ko-KR"/>
             </a:defPPr>
-            <a:lvl1pPr algn="ctr">
+            <a:lvl1pPr>
               <a:lnSpc>
                 <a:spcPct val="130000"/>
               </a:lnSpc>
-              <a:defRPr sz="4400">
+              <a:defRPr sz="2400">
                 <a:solidFill>
-                  <a:schemeClr val="bg1"/>
+                  <a:srgbClr val="181818"/>
                 </a:solidFill>
                 <a:latin typeface="KoPubWorld돋움체 Bold" panose="00000800000000000000" pitchFamily="2" charset="-127"/>
                 <a:ea typeface="KoPubWorld돋움체 Bold" panose="00000800000000000000" pitchFamily="2" charset="-127"/>
@@ -19945,19 +19915,70 @@
             </a:lvl1pPr>
           </a:lstStyle>
           <a:p>
-            <a:pPr algn="l"/>
-            <a:r>
-              <a:rPr lang="en-US" altLang="ko-KR" dirty="0"/>
+            <a:pPr algn="ctr"/>
+            <a:r>
+              <a:rPr lang="en-US" altLang="ko-KR" sz="4000" dirty="0">
+                <a:solidFill>
+                  <a:schemeClr val="bg1"/>
+                </a:solidFill>
+              </a:rPr>
               <a:t>Q n A</a:t>
             </a:r>
-            <a:endParaRPr lang="ko-KR" altLang="en-US" dirty="0"/>
+            <a:endParaRPr lang="ko-KR" altLang="en-US" sz="4000" dirty="0">
+              <a:solidFill>
+                <a:schemeClr val="bg1"/>
+              </a:solidFill>
+            </a:endParaRPr>
           </a:p>
         </p:txBody>
       </p:sp>
+      <p:cxnSp>
+        <p:nvCxnSpPr>
+          <p:cNvPr id="6" name="직선 연결선 5">
+            <a:extLst>
+              <a:ext uri="{FF2B5EF4-FFF2-40B4-BE49-F238E27FC236}">
+                <a16:creationId xmlns:a16="http://schemas.microsoft.com/office/drawing/2014/main" id="{E33160A2-771B-414E-93EB-4B91A1CE7EB0}"/>
+              </a:ext>
+            </a:extLst>
+          </p:cNvPr>
+          <p:cNvCxnSpPr>
+            <a:cxnSpLocks/>
+          </p:cNvCxnSpPr>
+          <p:nvPr/>
+        </p:nvCxnSpPr>
+        <p:spPr>
+          <a:xfrm>
+            <a:off x="4739157" y="3956487"/>
+            <a:ext cx="2610619" cy="0"/>
+          </a:xfrm>
+          <a:prstGeom prst="line">
+            <a:avLst/>
+          </a:prstGeom>
+          <a:ln w="12700">
+            <a:solidFill>
+              <a:schemeClr val="bg1"/>
+            </a:solidFill>
+          </a:ln>
+        </p:spPr>
+        <p:style>
+          <a:lnRef idx="1">
+            <a:schemeClr val="accent1"/>
+          </a:lnRef>
+          <a:fillRef idx="0">
+            <a:schemeClr val="accent1"/>
+          </a:fillRef>
+          <a:effectRef idx="0">
+            <a:schemeClr val="accent1"/>
+          </a:effectRef>
+          <a:fontRef idx="minor">
+            <a:schemeClr val="tx1"/>
+          </a:fontRef>
+        </p:style>
+      </p:cxnSp>
     </p:spTree>
     <p:extLst>
       <p:ext uri="{BB962C8B-B14F-4D97-AF65-F5344CB8AC3E}">
-        <p14:creationId xmlns:p14="http://schemas.microsoft.com/office/powerpoint/2010/main" val="4263696078"/>
+        <p14:creationId xmlns:p14="http://schemas.microsoft.com/office/powerpoint/2010/main" val="2151505699"/>
       </p:ext>
     </p:extLst>
   </p:cSld>
@@ -20893,198 +20914,219 @@
           </a:p>
         </p:txBody>
       </p:sp>
-      <p:sp>
-        <p:nvSpPr>
-          <p:cNvPr id="10" name="TextBox 9">
+      <p:grpSp>
+        <p:nvGrpSpPr>
+          <p:cNvPr id="3" name="그룹 2">
             <a:extLst>
               <a:ext uri="{FF2B5EF4-FFF2-40B4-BE49-F238E27FC236}">
-                <a16:creationId xmlns:a16="http://schemas.microsoft.com/office/drawing/2014/main" id="{385B44B7-D0DB-85F0-077C-DA768AF58309}"/>
+                <a16:creationId xmlns:a16="http://schemas.microsoft.com/office/drawing/2014/main" id="{425043BE-00F0-B187-E686-094143E661F6}"/>
               </a:ext>
             </a:extLst>
           </p:cNvPr>
-          <p:cNvSpPr txBox="1"/>
+          <p:cNvGrpSpPr/>
           <p:nvPr/>
-        </p:nvSpPr>
-        <p:spPr>
+        </p:nvGrpSpPr>
+        <p:grpSpPr>
           <a:xfrm>
-            <a:off x="1137418" y="1150952"/>
-            <a:ext cx="3383899" cy="412742"/>
+            <a:off x="1594620" y="1150952"/>
+            <a:ext cx="9012161" cy="4484579"/>
+            <a:chOff x="1137418" y="1150952"/>
+            <a:chExt cx="9012161" cy="4484579"/>
           </a:xfrm>
-          <a:prstGeom prst="rect">
-            <a:avLst/>
-          </a:prstGeom>
-          <a:noFill/>
-        </p:spPr>
-        <p:txBody>
-          <a:bodyPr wrap="square" rtlCol="0" anchor="ctr">
-            <a:spAutoFit/>
-          </a:bodyPr>
-          <a:lstStyle>
-            <a:defPPr>
-              <a:defRPr lang="ko-KR"/>
-            </a:defPPr>
-            <a:lvl1pPr>
-              <a:lnSpc>
-                <a:spcPct val="130000"/>
-              </a:lnSpc>
-              <a:defRPr sz="2400">
-                <a:solidFill>
-                  <a:srgbClr val="181818"/>
-                </a:solidFill>
-                <a:latin typeface="KoPubWorld돋움체 Bold" panose="00000800000000000000" pitchFamily="2" charset="-127"/>
-                <a:ea typeface="KoPubWorld돋움체 Bold" panose="00000800000000000000" pitchFamily="2" charset="-127"/>
-                <a:cs typeface="KoPubWorld돋움체 Bold" panose="00000800000000000000" pitchFamily="2" charset="-127"/>
-              </a:defRPr>
-            </a:lvl1pPr>
-          </a:lstStyle>
-          <a:p>
-            <a:pPr algn="ctr"/>
-            <a:r>
-              <a:rPr lang="en-US" altLang="ko-KR" sz="1800" b="1" dirty="0"/>
-              <a:t>&lt;Cross-Stitch Network&gt;</a:t>
-            </a:r>
-            <a:endParaRPr lang="ko-KR" altLang="en-US" sz="1800" b="1" dirty="0"/>
-          </a:p>
-        </p:txBody>
-      </p:sp>
-      <p:pic>
-        <p:nvPicPr>
-          <p:cNvPr id="9" name="그림 8">
-            <a:extLst>
-              <a:ext uri="{FF2B5EF4-FFF2-40B4-BE49-F238E27FC236}">
-                <a16:creationId xmlns:a16="http://schemas.microsoft.com/office/drawing/2014/main" id="{86F384EE-E06A-B6AC-716F-0E0D5E873383}"/>
-              </a:ext>
-            </a:extLst>
-          </p:cNvPr>
-          <p:cNvPicPr>
-            <a:picLocks noChangeAspect="1"/>
-          </p:cNvPicPr>
-          <p:nvPr/>
-        </p:nvPicPr>
-        <p:blipFill>
-          <a:blip r:embed="rId3"/>
-          <a:stretch>
-            <a:fillRect/>
-          </a:stretch>
-        </p:blipFill>
-        <p:spPr>
-          <a:xfrm>
-            <a:off x="1582918" y="1611642"/>
-            <a:ext cx="8121163" cy="4023889"/>
-          </a:xfrm>
-          <a:prstGeom prst="rect">
-            <a:avLst/>
-          </a:prstGeom>
-        </p:spPr>
-      </p:pic>
-      <p:sp>
-        <p:nvSpPr>
-          <p:cNvPr id="12" name="TextBox 11">
-            <a:extLst>
-              <a:ext uri="{FF2B5EF4-FFF2-40B4-BE49-F238E27FC236}">
-                <a16:creationId xmlns:a16="http://schemas.microsoft.com/office/drawing/2014/main" id="{CB68D0F9-F562-0654-074E-B4B059B0E3F5}"/>
-              </a:ext>
-            </a:extLst>
-          </p:cNvPr>
-          <p:cNvSpPr txBox="1"/>
-          <p:nvPr/>
-        </p:nvSpPr>
-        <p:spPr>
-          <a:xfrm>
-            <a:off x="3951549" y="1150952"/>
-            <a:ext cx="3383899" cy="412742"/>
-          </a:xfrm>
-          <a:prstGeom prst="rect">
-            <a:avLst/>
-          </a:prstGeom>
-          <a:noFill/>
-        </p:spPr>
-        <p:txBody>
-          <a:bodyPr wrap="square" rtlCol="0" anchor="ctr">
-            <a:spAutoFit/>
-          </a:bodyPr>
-          <a:lstStyle>
-            <a:defPPr>
-              <a:defRPr lang="ko-KR"/>
-            </a:defPPr>
-            <a:lvl1pPr>
-              <a:lnSpc>
-                <a:spcPct val="130000"/>
-              </a:lnSpc>
-              <a:defRPr sz="2400">
-                <a:solidFill>
-                  <a:srgbClr val="181818"/>
-                </a:solidFill>
-                <a:latin typeface="KoPubWorld돋움체 Bold" panose="00000800000000000000" pitchFamily="2" charset="-127"/>
-                <a:ea typeface="KoPubWorld돋움체 Bold" panose="00000800000000000000" pitchFamily="2" charset="-127"/>
-                <a:cs typeface="KoPubWorld돋움체 Bold" panose="00000800000000000000" pitchFamily="2" charset="-127"/>
-              </a:defRPr>
-            </a:lvl1pPr>
-          </a:lstStyle>
-          <a:p>
-            <a:pPr algn="ctr"/>
-            <a:r>
-              <a:rPr lang="en-US" altLang="ko-KR" sz="1800" b="1" dirty="0"/>
-              <a:t>&lt;Sluice Network&gt;</a:t>
-            </a:r>
-            <a:endParaRPr lang="ko-KR" altLang="en-US" sz="1800" b="1" dirty="0"/>
-          </a:p>
-        </p:txBody>
-      </p:sp>
-      <p:sp>
-        <p:nvSpPr>
-          <p:cNvPr id="13" name="TextBox 12">
-            <a:extLst>
-              <a:ext uri="{FF2B5EF4-FFF2-40B4-BE49-F238E27FC236}">
-                <a16:creationId xmlns:a16="http://schemas.microsoft.com/office/drawing/2014/main" id="{A4FC6F89-5F6C-DCC3-B944-4D2F88374940}"/>
-              </a:ext>
-            </a:extLst>
-          </p:cNvPr>
-          <p:cNvSpPr txBox="1"/>
-          <p:nvPr/>
-        </p:nvSpPr>
-        <p:spPr>
-          <a:xfrm>
-            <a:off x="6765680" y="1150952"/>
-            <a:ext cx="3383899" cy="412742"/>
-          </a:xfrm>
-          <a:prstGeom prst="rect">
-            <a:avLst/>
-          </a:prstGeom>
-          <a:noFill/>
-        </p:spPr>
-        <p:txBody>
-          <a:bodyPr wrap="square" rtlCol="0" anchor="ctr">
-            <a:spAutoFit/>
-          </a:bodyPr>
-          <a:lstStyle>
-            <a:defPPr>
-              <a:defRPr lang="ko-KR"/>
-            </a:defPPr>
-            <a:lvl1pPr>
-              <a:lnSpc>
-                <a:spcPct val="130000"/>
-              </a:lnSpc>
-              <a:defRPr sz="2400">
-                <a:solidFill>
-                  <a:srgbClr val="181818"/>
-                </a:solidFill>
-                <a:latin typeface="KoPubWorld돋움체 Bold" panose="00000800000000000000" pitchFamily="2" charset="-127"/>
-                <a:ea typeface="KoPubWorld돋움체 Bold" panose="00000800000000000000" pitchFamily="2" charset="-127"/>
-                <a:cs typeface="KoPubWorld돋움체 Bold" panose="00000800000000000000" pitchFamily="2" charset="-127"/>
-              </a:defRPr>
-            </a:lvl1pPr>
-          </a:lstStyle>
-          <a:p>
-            <a:pPr algn="ctr"/>
-            <a:r>
-              <a:rPr lang="en-US" altLang="ko-KR" sz="1800" b="1" dirty="0"/>
-              <a:t>&lt;ML-MMOE&gt;</a:t>
-            </a:r>
-            <a:endParaRPr lang="ko-KR" altLang="en-US" sz="1800" b="1" dirty="0"/>
-          </a:p>
-        </p:txBody>
-      </p:sp>
+        </p:grpSpPr>
+        <p:sp>
+          <p:nvSpPr>
+            <p:cNvPr id="10" name="TextBox 9">
+              <a:extLst>
+                <a:ext uri="{FF2B5EF4-FFF2-40B4-BE49-F238E27FC236}">
+                  <a16:creationId xmlns:a16="http://schemas.microsoft.com/office/drawing/2014/main" id="{385B44B7-D0DB-85F0-077C-DA768AF58309}"/>
+                </a:ext>
+              </a:extLst>
+            </p:cNvPr>
+            <p:cNvSpPr txBox="1"/>
+            <p:nvPr/>
+          </p:nvSpPr>
+          <p:spPr>
+            <a:xfrm>
+              <a:off x="1137418" y="1150952"/>
+              <a:ext cx="3383899" cy="412742"/>
+            </a:xfrm>
+            <a:prstGeom prst="rect">
+              <a:avLst/>
+            </a:prstGeom>
+            <a:noFill/>
+          </p:spPr>
+          <p:txBody>
+            <a:bodyPr wrap="square" rtlCol="0" anchor="ctr">
+              <a:spAutoFit/>
+            </a:bodyPr>
+            <a:lstStyle>
+              <a:defPPr>
+                <a:defRPr lang="ko-KR"/>
+              </a:defPPr>
+              <a:lvl1pPr>
+                <a:lnSpc>
+                  <a:spcPct val="130000"/>
+                </a:lnSpc>
+                <a:defRPr sz="2400">
+                  <a:solidFill>
+                    <a:srgbClr val="181818"/>
+                  </a:solidFill>
+                  <a:latin typeface="KoPubWorld돋움체 Bold" panose="00000800000000000000" pitchFamily="2" charset="-127"/>
+                  <a:ea typeface="KoPubWorld돋움체 Bold" panose="00000800000000000000" pitchFamily="2" charset="-127"/>
+                  <a:cs typeface="KoPubWorld돋움체 Bold" panose="00000800000000000000" pitchFamily="2" charset="-127"/>
+                </a:defRPr>
+              </a:lvl1pPr>
+            </a:lstStyle>
+            <a:p>
+              <a:pPr algn="ctr"/>
+              <a:r>
+                <a:rPr lang="en-US" altLang="ko-KR" sz="1800" b="1" dirty="0"/>
+                <a:t>&lt;Cross-Stitch Network&gt;</a:t>
+              </a:r>
+              <a:endParaRPr lang="ko-KR" altLang="en-US" sz="1800" b="1" dirty="0"/>
+            </a:p>
+          </p:txBody>
+        </p:sp>
+        <p:pic>
+          <p:nvPicPr>
+            <p:cNvPr id="9" name="그림 8">
+              <a:extLst>
+                <a:ext uri="{FF2B5EF4-FFF2-40B4-BE49-F238E27FC236}">
+                  <a16:creationId xmlns:a16="http://schemas.microsoft.com/office/drawing/2014/main" id="{86F384EE-E06A-B6AC-716F-0E0D5E873383}"/>
+                </a:ext>
+              </a:extLst>
+            </p:cNvPr>
+            <p:cNvPicPr>
+              <a:picLocks noChangeAspect="1"/>
+            </p:cNvPicPr>
+            <p:nvPr/>
+          </p:nvPicPr>
+          <p:blipFill>
+            <a:blip r:embed="rId3"/>
+            <a:stretch>
+              <a:fillRect/>
+            </a:stretch>
+          </p:blipFill>
+          <p:spPr>
+            <a:xfrm>
+              <a:off x="1582918" y="1611642"/>
+              <a:ext cx="8121163" cy="4023889"/>
+            </a:xfrm>
+            <a:prstGeom prst="rect">
+              <a:avLst/>
+            </a:prstGeom>
+          </p:spPr>
+        </p:pic>
+        <p:sp>
+          <p:nvSpPr>
+            <p:cNvPr id="12" name="TextBox 11">
+              <a:extLst>
+                <a:ext uri="{FF2B5EF4-FFF2-40B4-BE49-F238E27FC236}">
+                  <a16:creationId xmlns:a16="http://schemas.microsoft.com/office/drawing/2014/main" id="{CB68D0F9-F562-0654-074E-B4B059B0E3F5}"/>
+                </a:ext>
+              </a:extLst>
+            </p:cNvPr>
+            <p:cNvSpPr txBox="1"/>
+            <p:nvPr/>
+          </p:nvSpPr>
+          <p:spPr>
+            <a:xfrm>
+              <a:off x="3951549" y="1150952"/>
+              <a:ext cx="3383899" cy="412742"/>
+            </a:xfrm>
+            <a:prstGeom prst="rect">
+              <a:avLst/>
+            </a:prstGeom>
+            <a:noFill/>
+          </p:spPr>
+          <p:txBody>
+            <a:bodyPr wrap="square" rtlCol="0" anchor="ctr">
+              <a:spAutoFit/>
+            </a:bodyPr>
+            <a:lstStyle>
+              <a:defPPr>
+                <a:defRPr lang="ko-KR"/>
+              </a:defPPr>
+              <a:lvl1pPr>
+                <a:lnSpc>
+                  <a:spcPct val="130000"/>
+                </a:lnSpc>
+                <a:defRPr sz="2400">
+                  <a:solidFill>
+                    <a:srgbClr val="181818"/>
+                  </a:solidFill>
+                  <a:latin typeface="KoPubWorld돋움체 Bold" panose="00000800000000000000" pitchFamily="2" charset="-127"/>
+                  <a:ea typeface="KoPubWorld돋움체 Bold" panose="00000800000000000000" pitchFamily="2" charset="-127"/>
+                  <a:cs typeface="KoPubWorld돋움체 Bold" panose="00000800000000000000" pitchFamily="2" charset="-127"/>
+                </a:defRPr>
+              </a:lvl1pPr>
+            </a:lstStyle>
+            <a:p>
+              <a:pPr algn="ctr"/>
+              <a:r>
+                <a:rPr lang="en-US" altLang="ko-KR" sz="1800" b="1" dirty="0"/>
+                <a:t>&lt;Sluice Network&gt;</a:t>
+              </a:r>
+              <a:endParaRPr lang="ko-KR" altLang="en-US" sz="1800" b="1" dirty="0"/>
+            </a:p>
+          </p:txBody>
+        </p:sp>
+        <p:sp>
+          <p:nvSpPr>
+            <p:cNvPr id="13" name="TextBox 12">
+              <a:extLst>
+                <a:ext uri="{FF2B5EF4-FFF2-40B4-BE49-F238E27FC236}">
+                  <a16:creationId xmlns:a16="http://schemas.microsoft.com/office/drawing/2014/main" id="{A4FC6F89-5F6C-DCC3-B944-4D2F88374940}"/>
+                </a:ext>
+              </a:extLst>
+            </p:cNvPr>
+            <p:cNvSpPr txBox="1"/>
+            <p:nvPr/>
+          </p:nvSpPr>
+          <p:spPr>
+            <a:xfrm>
+              <a:off x="6765680" y="1150952"/>
+              <a:ext cx="3383899" cy="412742"/>
+            </a:xfrm>
+            <a:prstGeom prst="rect">
+              <a:avLst/>
+            </a:prstGeom>
+            <a:noFill/>
+          </p:spPr>
+          <p:txBody>
+            <a:bodyPr wrap="square" rtlCol="0" anchor="ctr">
+              <a:spAutoFit/>
+            </a:bodyPr>
+            <a:lstStyle>
+              <a:defPPr>
+                <a:defRPr lang="ko-KR"/>
+              </a:defPPr>
+              <a:lvl1pPr>
+                <a:lnSpc>
+                  <a:spcPct val="130000"/>
+                </a:lnSpc>
+                <a:defRPr sz="2400">
+                  <a:solidFill>
+                    <a:srgbClr val="181818"/>
+                  </a:solidFill>
+                  <a:latin typeface="KoPubWorld돋움체 Bold" panose="00000800000000000000" pitchFamily="2" charset="-127"/>
+                  <a:ea typeface="KoPubWorld돋움체 Bold" panose="00000800000000000000" pitchFamily="2" charset="-127"/>
+                  <a:cs typeface="KoPubWorld돋움체 Bold" panose="00000800000000000000" pitchFamily="2" charset="-127"/>
+                </a:defRPr>
+              </a:lvl1pPr>
+            </a:lstStyle>
+            <a:p>
+              <a:pPr algn="ctr"/>
+              <a:r>
+                <a:rPr lang="en-US" altLang="ko-KR" sz="1800" b="1" dirty="0"/>
+                <a:t>&lt;ML-MMOE&gt;</a:t>
+              </a:r>
+              <a:endParaRPr lang="ko-KR" altLang="en-US" sz="1800" b="1" dirty="0"/>
+            </a:p>
+          </p:txBody>
+        </p:sp>
+      </p:grpSp>
       <p:sp>
         <p:nvSpPr>
           <p:cNvPr id="21" name="TextBox 20">
@@ -22768,7 +22810,7 @@
         <p:spPr>
           <a:xfrm>
             <a:off x="428979" y="1167829"/>
-            <a:ext cx="11235484" cy="519566"/>
+            <a:ext cx="11235484" cy="544765"/>
           </a:xfrm>
           <a:prstGeom prst="rect">
             <a:avLst/>
@@ -22799,24 +22841,24 @@
           </a:lstStyle>
           <a:p>
             <a:r>
-              <a:rPr lang="en-US" altLang="ko-KR" sz="2400" dirty="0">
+              <a:rPr lang="en-US" altLang="ko-KR" sz="2400" b="1" dirty="0">
                 <a:ea typeface="KoPubWorld돋움체 Bold" panose="00000800000000000000"/>
               </a:rPr>
               <a:t>Trial exist</a:t>
             </a:r>
             <a:r>
-              <a:rPr lang="ko-KR" altLang="en-US" sz="2400" dirty="0">
+              <a:rPr lang="ko-KR" altLang="en-US" sz="2400" b="1" dirty="0">
                 <a:ea typeface="KoPubWorld돋움체 Bold" panose="00000800000000000000"/>
               </a:rPr>
               <a:t> </a:t>
             </a:r>
             <a:r>
-              <a:rPr lang="en-US" altLang="ko-KR" sz="2400" dirty="0">
+              <a:rPr lang="en-US" altLang="ko-KR" sz="2400" b="1" dirty="0">
                 <a:ea typeface="KoPubWorld돋움체 Bold" panose="00000800000000000000"/>
               </a:rPr>
               <a:t>to apply Task specific/shared notion and find good network structure</a:t>
             </a:r>
-            <a:endParaRPr lang="ko-KR" altLang="en-US" sz="2400" dirty="0">
+            <a:endParaRPr lang="ko-KR" altLang="en-US" sz="2400" b="1" dirty="0">
               <a:ea typeface="KoPubWorld돋움체 Bold" panose="00000800000000000000"/>
             </a:endParaRPr>
           </a:p>
@@ -22963,7 +23005,7 @@
             </a:pPr>
             <a:r>
               <a:rPr lang="en-US" altLang="ko-KR" dirty="0"/>
-              <a:t>There are good trial in MTL, but all of prior method</a:t>
+              <a:t>There are good trial in MTL, but all of prior methods</a:t>
             </a:r>
             <a:r>
               <a:rPr lang="en-US" altLang="ko-KR" sz="2400" dirty="0"/>
@@ -23193,8 +23235,8 @@
         </p:nvSpPr>
         <p:spPr>
           <a:xfrm>
-            <a:off x="6590776" y="4091940"/>
-            <a:ext cx="5191649" cy="1314249"/>
+            <a:off x="6590776" y="4556938"/>
+            <a:ext cx="5191649" cy="849251"/>
           </a:xfrm>
           <a:prstGeom prst="roundRect">
             <a:avLst/>
@@ -23233,189 +23275,60 @@
           </a:p>
         </p:txBody>
       </p:sp>
-      <p:grpSp>
-        <p:nvGrpSpPr>
-          <p:cNvPr id="17" name="그룹 16">
+      <p:sp>
+        <p:nvSpPr>
+          <p:cNvPr id="16" name="사각형: 둥근 모서리 15">
             <a:extLst>
               <a:ext uri="{FF2B5EF4-FFF2-40B4-BE49-F238E27FC236}">
-                <a16:creationId xmlns:a16="http://schemas.microsoft.com/office/drawing/2014/main" id="{655C8AE2-C9D9-FC67-23FB-FD8184D96C61}"/>
+                <a16:creationId xmlns:a16="http://schemas.microsoft.com/office/drawing/2014/main" id="{ABB1314E-3F6C-A6DA-7259-81DC8CAB9D8B}"/>
               </a:ext>
             </a:extLst>
           </p:cNvPr>
-          <p:cNvGrpSpPr/>
+          <p:cNvSpPr/>
           <p:nvPr/>
-        </p:nvGrpSpPr>
-        <p:grpSpPr>
+        </p:nvSpPr>
+        <p:spPr>
           <a:xfrm>
-            <a:off x="7223760" y="1736057"/>
-            <a:ext cx="3817620" cy="2687466"/>
-            <a:chOff x="7223760" y="1736057"/>
-            <a:chExt cx="3817620" cy="2687466"/>
+            <a:off x="7188173" y="3727947"/>
+            <a:ext cx="3853208" cy="849251"/>
           </a:xfrm>
-        </p:grpSpPr>
-        <p:sp>
-          <p:nvSpPr>
-            <p:cNvPr id="10" name="사각형: 둥근 모서리 9">
-              <a:extLst>
-                <a:ext uri="{FF2B5EF4-FFF2-40B4-BE49-F238E27FC236}">
-                  <a16:creationId xmlns:a16="http://schemas.microsoft.com/office/drawing/2014/main" id="{316DE115-5087-00DA-0E3A-C582B80D04C2}"/>
-                </a:ext>
-              </a:extLst>
-            </p:cNvPr>
-            <p:cNvSpPr/>
-            <p:nvPr/>
-          </p:nvSpPr>
-          <p:spPr>
-            <a:xfrm>
-              <a:off x="8254436" y="1736057"/>
-              <a:ext cx="1843000" cy="2687466"/>
-            </a:xfrm>
-            <a:prstGeom prst="roundRect">
-              <a:avLst/>
-            </a:prstGeom>
-            <a:solidFill>
-              <a:schemeClr val="accent6">
-                <a:alpha val="30000"/>
-              </a:schemeClr>
-            </a:solidFill>
-            <a:ln>
-              <a:noFill/>
-            </a:ln>
-          </p:spPr>
-          <p:style>
-            <a:lnRef idx="2">
-              <a:schemeClr val="accent1">
-                <a:shade val="50000"/>
-              </a:schemeClr>
-            </a:lnRef>
-            <a:fillRef idx="1">
-              <a:schemeClr val="accent1"/>
-            </a:fillRef>
-            <a:effectRef idx="0">
-              <a:schemeClr val="accent1"/>
-            </a:effectRef>
-            <a:fontRef idx="minor">
-              <a:schemeClr val="lt1"/>
-            </a:fontRef>
-          </p:style>
-          <p:txBody>
-            <a:bodyPr rtlCol="0" anchor="ctr"/>
-            <a:lstStyle/>
-            <a:p>
-              <a:pPr algn="ctr"/>
-              <a:endParaRPr lang="ko-KR" altLang="en-US" dirty="0"/>
-            </a:p>
-          </p:txBody>
-        </p:sp>
-        <p:sp>
-          <p:nvSpPr>
-            <p:cNvPr id="12" name="사각형: 둥근 모서리 11">
-              <a:extLst>
-                <a:ext uri="{FF2B5EF4-FFF2-40B4-BE49-F238E27FC236}">
-                  <a16:creationId xmlns:a16="http://schemas.microsoft.com/office/drawing/2014/main" id="{25346395-46B4-93CC-B0F7-E7BCD79DF2E0}"/>
-                </a:ext>
-              </a:extLst>
-            </p:cNvPr>
-            <p:cNvSpPr/>
-            <p:nvPr/>
-          </p:nvSpPr>
-          <p:spPr>
-            <a:xfrm>
-              <a:off x="7223760" y="3773667"/>
-              <a:ext cx="500312" cy="492746"/>
-            </a:xfrm>
-            <a:prstGeom prst="roundRect">
-              <a:avLst/>
-            </a:prstGeom>
-            <a:solidFill>
-              <a:schemeClr val="accent6">
-                <a:alpha val="30000"/>
-              </a:schemeClr>
-            </a:solidFill>
-            <a:ln>
-              <a:noFill/>
-            </a:ln>
-          </p:spPr>
-          <p:style>
-            <a:lnRef idx="2">
-              <a:schemeClr val="accent1">
-                <a:shade val="50000"/>
-              </a:schemeClr>
-            </a:lnRef>
-            <a:fillRef idx="1">
-              <a:schemeClr val="accent1"/>
-            </a:fillRef>
-            <a:effectRef idx="0">
-              <a:schemeClr val="accent1"/>
-            </a:effectRef>
-            <a:fontRef idx="minor">
-              <a:schemeClr val="lt1"/>
-            </a:fontRef>
-          </p:style>
-          <p:txBody>
-            <a:bodyPr rtlCol="0" anchor="ctr"/>
-            <a:lstStyle/>
-            <a:p>
-              <a:pPr algn="ctr"/>
-              <a:endParaRPr lang="ko-KR" altLang="en-US" dirty="0"/>
-            </a:p>
-          </p:txBody>
-        </p:sp>
-        <p:sp>
-          <p:nvSpPr>
-            <p:cNvPr id="16" name="사각형: 둥근 모서리 15">
-              <a:extLst>
-                <a:ext uri="{FF2B5EF4-FFF2-40B4-BE49-F238E27FC236}">
-                  <a16:creationId xmlns:a16="http://schemas.microsoft.com/office/drawing/2014/main" id="{ABB1314E-3F6C-A6DA-7259-81DC8CAB9D8B}"/>
-                </a:ext>
-              </a:extLst>
-            </p:cNvPr>
-            <p:cNvSpPr/>
-            <p:nvPr/>
-          </p:nvSpPr>
-          <p:spPr>
-            <a:xfrm>
-              <a:off x="10541071" y="3727947"/>
-              <a:ext cx="500309" cy="492743"/>
-            </a:xfrm>
-            <a:prstGeom prst="roundRect">
-              <a:avLst/>
-            </a:prstGeom>
-            <a:solidFill>
-              <a:schemeClr val="accent6">
-                <a:alpha val="30000"/>
-              </a:schemeClr>
-            </a:solidFill>
-            <a:ln>
-              <a:noFill/>
-            </a:ln>
-          </p:spPr>
-          <p:style>
-            <a:lnRef idx="2">
-              <a:schemeClr val="accent1">
-                <a:shade val="50000"/>
-              </a:schemeClr>
-            </a:lnRef>
-            <a:fillRef idx="1">
-              <a:schemeClr val="accent1"/>
-            </a:fillRef>
-            <a:effectRef idx="0">
-              <a:schemeClr val="accent1"/>
-            </a:effectRef>
-            <a:fontRef idx="minor">
-              <a:schemeClr val="lt1"/>
-            </a:fontRef>
-          </p:style>
-          <p:txBody>
-            <a:bodyPr rtlCol="0" anchor="ctr"/>
-            <a:lstStyle/>
-            <a:p>
-              <a:pPr algn="ctr"/>
-              <a:endParaRPr lang="ko-KR" altLang="en-US" dirty="0"/>
-            </a:p>
-          </p:txBody>
-        </p:sp>
-      </p:grpSp>
+          <a:prstGeom prst="roundRect">
+            <a:avLst/>
+          </a:prstGeom>
+          <a:solidFill>
+            <a:schemeClr val="accent6">
+              <a:alpha val="30000"/>
+            </a:schemeClr>
+          </a:solidFill>
+          <a:ln>
+            <a:noFill/>
+          </a:ln>
+        </p:spPr>
+        <p:style>
+          <a:lnRef idx="2">
+            <a:schemeClr val="accent1">
+              <a:shade val="50000"/>
+            </a:schemeClr>
+          </a:lnRef>
+          <a:fillRef idx="1">
+            <a:schemeClr val="accent1"/>
+          </a:fillRef>
+          <a:effectRef idx="0">
+            <a:schemeClr val="accent1"/>
+          </a:effectRef>
+          <a:fontRef idx="minor">
+            <a:schemeClr val="lt1"/>
+          </a:fontRef>
+        </p:style>
+        <p:txBody>
+          <a:bodyPr rtlCol="0" anchor="ctr"/>
+          <a:lstStyle/>
+          <a:p>
+            <a:pPr algn="ctr"/>
+            <a:endParaRPr lang="ko-KR" altLang="en-US" dirty="0"/>
+          </a:p>
+        </p:txBody>
+      </p:sp>
       <p:grpSp>
         <p:nvGrpSpPr>
           <p:cNvPr id="21" name="그룹 20">
